--- a/KTX SRT 예약 매크로 프로그램.pptx
+++ b/KTX SRT 예약 매크로 프로그램.pptx
@@ -5,51 +5,52 @@
     <p:sldMasterId id="2147483690" r:id="rId1"/>
   </p:sldMasterIdLst>
   <p:notesMasterIdLst>
-    <p:notesMasterId r:id="rId14"/>
+    <p:notesMasterId r:id="rId15"/>
   </p:notesMasterIdLst>
   <p:handoutMasterIdLst>
-    <p:handoutMasterId r:id="rId15"/>
+    <p:handoutMasterId r:id="rId16"/>
   </p:handoutMasterIdLst>
   <p:sldIdLst>
-    <p:sldId id="293" r:id="rId2"/>
-    <p:sldId id="259" r:id="rId3"/>
-    <p:sldId id="294" r:id="rId4"/>
-    <p:sldId id="325" r:id="rId5"/>
-    <p:sldId id="326" r:id="rId6"/>
-    <p:sldId id="327" r:id="rId7"/>
-    <p:sldId id="322" r:id="rId8"/>
-    <p:sldId id="323" r:id="rId9"/>
-    <p:sldId id="324" r:id="rId10"/>
-    <p:sldId id="321" r:id="rId11"/>
-    <p:sldId id="296" r:id="rId12"/>
-    <p:sldId id="297" r:id="rId13"/>
+    <p:sldId id="328" r:id="rId2"/>
+    <p:sldId id="329" r:id="rId3"/>
+    <p:sldId id="330" r:id="rId4"/>
+    <p:sldId id="331" r:id="rId5"/>
+    <p:sldId id="332" r:id="rId6"/>
+    <p:sldId id="333" r:id="rId7"/>
+    <p:sldId id="334" r:id="rId8"/>
+    <p:sldId id="335" r:id="rId9"/>
+    <p:sldId id="336" r:id="rId10"/>
+    <p:sldId id="337" r:id="rId11"/>
+    <p:sldId id="338" r:id="rId12"/>
+    <p:sldId id="339" r:id="rId13"/>
+    <p:sldId id="340" r:id="rId14"/>
   </p:sldIdLst>
   <p:sldSz cx="9144000" cy="6858000" type="screen4x3"/>
   <p:notesSz cx="6858000" cy="9144000"/>
   <p:embeddedFontLst>
     <p:embeddedFont>
       <p:font typeface="a고딕12" panose="02020600000000000000" pitchFamily="18" charset="-127"/>
-      <p:regular r:id="rId16"/>
+      <p:regular r:id="rId17"/>
     </p:embeddedFont>
     <p:embeddedFont>
       <p:font typeface="a고딕15" panose="02020600000000000000" pitchFamily="18" charset="-127"/>
-      <p:regular r:id="rId17"/>
+      <p:regular r:id="rId18"/>
     </p:embeddedFont>
     <p:embeddedFont>
       <p:font typeface="Century Gothic" panose="020B0502020202020204" pitchFamily="34" charset="0"/>
-      <p:regular r:id="rId18"/>
-      <p:bold r:id="rId19"/>
-      <p:italic r:id="rId20"/>
-      <p:boldItalic r:id="rId21"/>
+      <p:regular r:id="rId19"/>
+      <p:bold r:id="rId20"/>
+      <p:italic r:id="rId21"/>
+      <p:boldItalic r:id="rId22"/>
     </p:embeddedFont>
     <p:embeddedFont>
       <p:font typeface="Wingdings 3" panose="05040102010807070707" pitchFamily="18" charset="2"/>
-      <p:regular r:id="rId22"/>
+      <p:regular r:id="rId23"/>
     </p:embeddedFont>
     <p:embeddedFont>
       <p:font typeface="맑은 고딕" panose="020B0503020000020004" pitchFamily="50" charset="-127"/>
-      <p:regular r:id="rId23"/>
-      <p:bold r:id="rId24"/>
+      <p:regular r:id="rId24"/>
+      <p:bold r:id="rId25"/>
     </p:embeddedFont>
   </p:embeddedFontLst>
   <p:defaultTextStyle>
@@ -7820,7 +7821,267 @@
           </a:p>
         </p:txBody>
       </p:sp>
+      <p:grpSp>
+        <p:nvGrpSpPr>
+          <p:cNvPr id="4" name="그룹 3">
+            <a:extLst>
+              <a:ext uri="{FF2B5EF4-FFF2-40B4-BE49-F238E27FC236}">
+                <a16:creationId xmlns:a16="http://schemas.microsoft.com/office/drawing/2014/main" id="{7C8D3A8E-3202-E0F3-881D-D2D1F82ABFC8}"/>
+              </a:ext>
+            </a:extLst>
+          </p:cNvPr>
+          <p:cNvGrpSpPr/>
+          <p:nvPr/>
+        </p:nvGrpSpPr>
+        <p:grpSpPr>
+          <a:xfrm>
+            <a:off x="2663788" y="260648"/>
+            <a:ext cx="3816424" cy="1350924"/>
+            <a:chOff x="1880828" y="2412177"/>
+            <a:chExt cx="2808312" cy="1350924"/>
+          </a:xfrm>
+        </p:grpSpPr>
+        <p:sp>
+          <p:nvSpPr>
+            <p:cNvPr id="5" name="Text Box 5">
+              <a:extLst>
+                <a:ext uri="{FF2B5EF4-FFF2-40B4-BE49-F238E27FC236}">
+                  <a16:creationId xmlns:a16="http://schemas.microsoft.com/office/drawing/2014/main" id="{8D0435ED-02E7-46AF-0C84-601EB01D4499}"/>
+                </a:ext>
+              </a:extLst>
+            </p:cNvPr>
+            <p:cNvSpPr txBox="1">
+              <a:spLocks noChangeArrowheads="1"/>
+            </p:cNvSpPr>
+            <p:nvPr/>
+          </p:nvSpPr>
+          <p:spPr bwMode="auto">
+            <a:xfrm>
+              <a:off x="1880828" y="3120338"/>
+              <a:ext cx="2808312" cy="400110"/>
+            </a:xfrm>
+            <a:prstGeom prst="rect">
+              <a:avLst/>
+            </a:prstGeom>
+            <a:noFill/>
+            <a:ln w="9525">
+              <a:noFill/>
+              <a:miter lim="800000"/>
+              <a:headEnd/>
+              <a:tailEnd/>
+            </a:ln>
+            <a:effectLst/>
+          </p:spPr>
+          <p:txBody>
+            <a:bodyPr vert="horz" wrap="square" lIns="91440" tIns="45720" rIns="91440" bIns="45720" numCol="1" anchor="t" anchorCtr="0" compatLnSpc="1">
+              <a:prstTxWarp prst="textNoShape">
+                <a:avLst/>
+              </a:prstTxWarp>
+              <a:spAutoFit/>
+            </a:bodyPr>
+            <a:lstStyle/>
+            <a:p>
+              <a:pPr algn="ctr">
+                <a:defRPr/>
+              </a:pPr>
+              <a:r>
+                <a:rPr lang="ko-KR" altLang="en-US" sz="2000" b="1" dirty="0">
+                  <a:solidFill>
+                    <a:srgbClr val="8B98D1"/>
+                  </a:solidFill>
+                  <a:latin typeface="+mj-lt"/>
+                  <a:ea typeface="맑은 고딕" pitchFamily="50" charset="-127"/>
+                </a:rPr>
+                <a:t>프로그램 기능 설명</a:t>
+              </a:r>
+              <a:endParaRPr lang="en-US" altLang="ko-KR" sz="2000" b="1" dirty="0">
+                <a:solidFill>
+                  <a:srgbClr val="8B98D1"/>
+                </a:solidFill>
+                <a:latin typeface="+mj-lt"/>
+                <a:ea typeface="맑은 고딕" pitchFamily="50" charset="-127"/>
+              </a:endParaRPr>
+            </a:p>
+          </p:txBody>
+        </p:sp>
+        <p:sp>
+          <p:nvSpPr>
+            <p:cNvPr id="6" name="직사각형 5">
+              <a:extLst>
+                <a:ext uri="{FF2B5EF4-FFF2-40B4-BE49-F238E27FC236}">
+                  <a16:creationId xmlns:a16="http://schemas.microsoft.com/office/drawing/2014/main" id="{F6455D7C-A043-9240-86A6-F688698A4267}"/>
+                </a:ext>
+              </a:extLst>
+            </p:cNvPr>
+            <p:cNvSpPr/>
+            <p:nvPr/>
+          </p:nvSpPr>
+          <p:spPr>
+            <a:xfrm>
+              <a:off x="2033972" y="3516880"/>
+              <a:ext cx="2502024" cy="246221"/>
+            </a:xfrm>
+            <a:prstGeom prst="rect">
+              <a:avLst/>
+            </a:prstGeom>
+          </p:spPr>
+          <p:txBody>
+            <a:bodyPr wrap="square">
+              <a:spAutoFit/>
+            </a:bodyPr>
+            <a:lstStyle/>
+            <a:p>
+              <a:pPr lvl="0" algn="ctr">
+                <a:lnSpc>
+                  <a:spcPts val="1200"/>
+                </a:lnSpc>
+                <a:defRPr/>
+              </a:pPr>
+              <a:endParaRPr lang="en-US" altLang="ko-KR" sz="1100" dirty="0">
+                <a:solidFill>
+                  <a:schemeClr val="bg1">
+                    <a:lumMod val="65000"/>
+                  </a:schemeClr>
+                </a:solidFill>
+                <a:latin typeface="+mj-lt"/>
+                <a:ea typeface="맑은 고딕" pitchFamily="50" charset="-127"/>
+                <a:cs typeface="굴림" pitchFamily="50" charset="-127"/>
+              </a:endParaRPr>
+            </a:p>
+          </p:txBody>
+        </p:sp>
+        <p:sp>
+          <p:nvSpPr>
+            <p:cNvPr id="7" name="Text Box 4">
+              <a:extLst>
+                <a:ext uri="{FF2B5EF4-FFF2-40B4-BE49-F238E27FC236}">
+                  <a16:creationId xmlns:a16="http://schemas.microsoft.com/office/drawing/2014/main" id="{431F2103-A9ED-4F94-6032-07BC3CAC10FF}"/>
+                </a:ext>
+              </a:extLst>
+            </p:cNvPr>
+            <p:cNvSpPr txBox="1">
+              <a:spLocks noChangeArrowheads="1"/>
+            </p:cNvSpPr>
+            <p:nvPr/>
+          </p:nvSpPr>
+          <p:spPr bwMode="auto">
+            <a:xfrm>
+              <a:off x="3048364" y="2412177"/>
+              <a:ext cx="473243" cy="584775"/>
+            </a:xfrm>
+            <a:prstGeom prst="rect">
+              <a:avLst/>
+            </a:prstGeom>
+            <a:noFill/>
+            <a:ln w="9525">
+              <a:noFill/>
+              <a:miter lim="800000"/>
+              <a:headEnd/>
+              <a:tailEnd/>
+            </a:ln>
+            <a:effectLst/>
+          </p:spPr>
+          <p:txBody>
+            <a:bodyPr vert="horz" wrap="none" lIns="91440" tIns="45720" rIns="91440" bIns="45720" numCol="1" anchor="t" anchorCtr="0" compatLnSpc="1">
+              <a:prstTxWarp prst="textNoShape">
+                <a:avLst/>
+              </a:prstTxWarp>
+              <a:spAutoFit/>
+            </a:bodyPr>
+            <a:lstStyle/>
+            <a:p>
+              <a:pPr algn="ctr" fontAlgn="base">
+                <a:spcBef>
+                  <a:spcPct val="0"/>
+                </a:spcBef>
+                <a:spcAft>
+                  <a:spcPct val="0"/>
+                </a:spcAft>
+              </a:pPr>
+              <a:r>
+                <a:rPr kumimoji="1" lang="en-US" altLang="ko-KR" sz="3200" b="1" dirty="0">
+                  <a:solidFill>
+                    <a:srgbClr val="8B98D1"/>
+                  </a:solidFill>
+                  <a:latin typeface="+mj-lt"/>
+                  <a:ea typeface="맑은 고딕" pitchFamily="50" charset="-127"/>
+                  <a:cs typeface="굴림" pitchFamily="50" charset="-127"/>
+                </a:rPr>
+                <a:t>03</a:t>
+              </a:r>
+              <a:endParaRPr kumimoji="1" lang="ko-KR" altLang="ko-KR" sz="3200" b="1" dirty="0">
+                <a:solidFill>
+                  <a:srgbClr val="8B98D1"/>
+                </a:solidFill>
+                <a:latin typeface="+mj-lt"/>
+                <a:ea typeface="맑은 고딕" pitchFamily="50" charset="-127"/>
+                <a:cs typeface="굴림" pitchFamily="50" charset="-127"/>
+              </a:endParaRPr>
+            </a:p>
+          </p:txBody>
+        </p:sp>
+        <p:sp>
+          <p:nvSpPr>
+            <p:cNvPr id="8" name="직사각형 7">
+              <a:extLst>
+                <a:ext uri="{FF2B5EF4-FFF2-40B4-BE49-F238E27FC236}">
+                  <a16:creationId xmlns:a16="http://schemas.microsoft.com/office/drawing/2014/main" id="{D152546D-D363-C179-63FB-85984E3C2B4C}"/>
+                </a:ext>
+              </a:extLst>
+            </p:cNvPr>
+            <p:cNvSpPr/>
+            <p:nvPr/>
+          </p:nvSpPr>
+          <p:spPr>
+            <a:xfrm>
+              <a:off x="2971126" y="2996952"/>
+              <a:ext cx="627717" cy="45719"/>
+            </a:xfrm>
+            <a:prstGeom prst="rect">
+              <a:avLst/>
+            </a:prstGeom>
+            <a:solidFill>
+              <a:srgbClr val="8B98D1"/>
+            </a:solidFill>
+            <a:ln>
+              <a:noFill/>
+            </a:ln>
+          </p:spPr>
+          <p:style>
+            <a:lnRef idx="2">
+              <a:schemeClr val="accent1">
+                <a:shade val="50000"/>
+              </a:schemeClr>
+            </a:lnRef>
+            <a:fillRef idx="1">
+              <a:schemeClr val="accent1"/>
+            </a:fillRef>
+            <a:effectRef idx="0">
+              <a:schemeClr val="accent1"/>
+            </a:effectRef>
+            <a:fontRef idx="minor">
+              <a:schemeClr val="lt1"/>
+            </a:fontRef>
+          </p:style>
+          <p:txBody>
+            <a:bodyPr rtlCol="0" anchor="ctr"/>
+            <a:lstStyle/>
+            <a:p>
+              <a:pPr algn="ctr"/>
+              <a:endParaRPr lang="ko-KR" altLang="en-US">
+                <a:latin typeface="+mj-lt"/>
+                <a:ea typeface="맑은 고딕" pitchFamily="50" charset="-127"/>
+              </a:endParaRPr>
+            </a:p>
+          </p:txBody>
+        </p:sp>
+      </p:grpSp>
     </p:spTree>
+    <p:extLst>
+      <p:ext uri="{BB962C8B-B14F-4D97-AF65-F5344CB8AC3E}">
+        <p14:creationId xmlns:p14="http://schemas.microsoft.com/office/powerpoint/2010/main" val="2112332551"/>
+      </p:ext>
+    </p:extLst>
   </p:cSld>
   <p:clrMapOvr>
     <a:masterClrMapping/>
@@ -7847,7 +8108,7 @@
       </p:grpSpPr>
       <p:sp>
         <p:nvSpPr>
-          <p:cNvPr id="5" name="제목 1"/>
+          <p:cNvPr id="2" name="제목 1"/>
           <p:cNvSpPr>
             <a:spLocks noGrp="1"/>
           </p:cNvSpPr>
@@ -7870,7 +8131,7 @@
       </p:sp>
       <p:sp>
         <p:nvSpPr>
-          <p:cNvPr id="6" name="내용 개체 틀 5"/>
+          <p:cNvPr id="37" name="내용 개체 틀 36"/>
           <p:cNvSpPr>
             <a:spLocks noGrp="1"/>
           </p:cNvSpPr>
@@ -7891,7 +8152,267 @@
           </a:p>
         </p:txBody>
       </p:sp>
+      <p:grpSp>
+        <p:nvGrpSpPr>
+          <p:cNvPr id="4" name="그룹 3">
+            <a:extLst>
+              <a:ext uri="{FF2B5EF4-FFF2-40B4-BE49-F238E27FC236}">
+                <a16:creationId xmlns:a16="http://schemas.microsoft.com/office/drawing/2014/main" id="{7EA76DEF-C0E3-A6D5-DAD7-249EE4A28062}"/>
+              </a:ext>
+            </a:extLst>
+          </p:cNvPr>
+          <p:cNvGrpSpPr/>
+          <p:nvPr/>
+        </p:nvGrpSpPr>
+        <p:grpSpPr>
+          <a:xfrm>
+            <a:off x="2688586" y="260648"/>
+            <a:ext cx="3816424" cy="1350924"/>
+            <a:chOff x="1880828" y="2412177"/>
+            <a:chExt cx="2808312" cy="1350924"/>
+          </a:xfrm>
+        </p:grpSpPr>
+        <p:sp>
+          <p:nvSpPr>
+            <p:cNvPr id="5" name="Text Box 5">
+              <a:extLst>
+                <a:ext uri="{FF2B5EF4-FFF2-40B4-BE49-F238E27FC236}">
+                  <a16:creationId xmlns:a16="http://schemas.microsoft.com/office/drawing/2014/main" id="{F71A1B25-F807-BA5E-0637-2FEA91068A88}"/>
+                </a:ext>
+              </a:extLst>
+            </p:cNvPr>
+            <p:cNvSpPr txBox="1">
+              <a:spLocks noChangeArrowheads="1"/>
+            </p:cNvSpPr>
+            <p:nvPr/>
+          </p:nvSpPr>
+          <p:spPr bwMode="auto">
+            <a:xfrm>
+              <a:off x="1880828" y="3120338"/>
+              <a:ext cx="2808312" cy="400110"/>
+            </a:xfrm>
+            <a:prstGeom prst="rect">
+              <a:avLst/>
+            </a:prstGeom>
+            <a:noFill/>
+            <a:ln w="9525">
+              <a:noFill/>
+              <a:miter lim="800000"/>
+              <a:headEnd/>
+              <a:tailEnd/>
+            </a:ln>
+            <a:effectLst/>
+          </p:spPr>
+          <p:txBody>
+            <a:bodyPr vert="horz" wrap="square" lIns="91440" tIns="45720" rIns="91440" bIns="45720" numCol="1" anchor="t" anchorCtr="0" compatLnSpc="1">
+              <a:prstTxWarp prst="textNoShape">
+                <a:avLst/>
+              </a:prstTxWarp>
+              <a:spAutoFit/>
+            </a:bodyPr>
+            <a:lstStyle/>
+            <a:p>
+              <a:pPr algn="ctr">
+                <a:defRPr/>
+              </a:pPr>
+              <a:r>
+                <a:rPr lang="ko-KR" altLang="en-US" sz="2000" b="1" dirty="0">
+                  <a:solidFill>
+                    <a:srgbClr val="8B98D1"/>
+                  </a:solidFill>
+                  <a:latin typeface="+mj-lt"/>
+                  <a:ea typeface="맑은 고딕" pitchFamily="50" charset="-127"/>
+                </a:rPr>
+                <a:t>프로그램 기능 설명</a:t>
+              </a:r>
+              <a:endParaRPr lang="en-US" altLang="ko-KR" sz="2000" b="1" dirty="0">
+                <a:solidFill>
+                  <a:srgbClr val="8B98D1"/>
+                </a:solidFill>
+                <a:latin typeface="+mj-lt"/>
+                <a:ea typeface="맑은 고딕" pitchFamily="50" charset="-127"/>
+              </a:endParaRPr>
+            </a:p>
+          </p:txBody>
+        </p:sp>
+        <p:sp>
+          <p:nvSpPr>
+            <p:cNvPr id="6" name="직사각형 5">
+              <a:extLst>
+                <a:ext uri="{FF2B5EF4-FFF2-40B4-BE49-F238E27FC236}">
+                  <a16:creationId xmlns:a16="http://schemas.microsoft.com/office/drawing/2014/main" id="{68CA95D2-4E7C-07D7-DB36-4BB56B9657DB}"/>
+                </a:ext>
+              </a:extLst>
+            </p:cNvPr>
+            <p:cNvSpPr/>
+            <p:nvPr/>
+          </p:nvSpPr>
+          <p:spPr>
+            <a:xfrm>
+              <a:off x="2033972" y="3516880"/>
+              <a:ext cx="2502024" cy="246221"/>
+            </a:xfrm>
+            <a:prstGeom prst="rect">
+              <a:avLst/>
+            </a:prstGeom>
+          </p:spPr>
+          <p:txBody>
+            <a:bodyPr wrap="square">
+              <a:spAutoFit/>
+            </a:bodyPr>
+            <a:lstStyle/>
+            <a:p>
+              <a:pPr lvl="0" algn="ctr">
+                <a:lnSpc>
+                  <a:spcPts val="1200"/>
+                </a:lnSpc>
+                <a:defRPr/>
+              </a:pPr>
+              <a:endParaRPr lang="en-US" altLang="ko-KR" sz="1100" dirty="0">
+                <a:solidFill>
+                  <a:schemeClr val="bg1">
+                    <a:lumMod val="65000"/>
+                  </a:schemeClr>
+                </a:solidFill>
+                <a:latin typeface="+mj-lt"/>
+                <a:ea typeface="맑은 고딕" pitchFamily="50" charset="-127"/>
+                <a:cs typeface="굴림" pitchFamily="50" charset="-127"/>
+              </a:endParaRPr>
+            </a:p>
+          </p:txBody>
+        </p:sp>
+        <p:sp>
+          <p:nvSpPr>
+            <p:cNvPr id="7" name="Text Box 4">
+              <a:extLst>
+                <a:ext uri="{FF2B5EF4-FFF2-40B4-BE49-F238E27FC236}">
+                  <a16:creationId xmlns:a16="http://schemas.microsoft.com/office/drawing/2014/main" id="{A652E2A2-8D06-664D-0184-2515FF005128}"/>
+                </a:ext>
+              </a:extLst>
+            </p:cNvPr>
+            <p:cNvSpPr txBox="1">
+              <a:spLocks noChangeArrowheads="1"/>
+            </p:cNvSpPr>
+            <p:nvPr/>
+          </p:nvSpPr>
+          <p:spPr bwMode="auto">
+            <a:xfrm>
+              <a:off x="3048364" y="2412177"/>
+              <a:ext cx="473243" cy="584775"/>
+            </a:xfrm>
+            <a:prstGeom prst="rect">
+              <a:avLst/>
+            </a:prstGeom>
+            <a:noFill/>
+            <a:ln w="9525">
+              <a:noFill/>
+              <a:miter lim="800000"/>
+              <a:headEnd/>
+              <a:tailEnd/>
+            </a:ln>
+            <a:effectLst/>
+          </p:spPr>
+          <p:txBody>
+            <a:bodyPr vert="horz" wrap="none" lIns="91440" tIns="45720" rIns="91440" bIns="45720" numCol="1" anchor="t" anchorCtr="0" compatLnSpc="1">
+              <a:prstTxWarp prst="textNoShape">
+                <a:avLst/>
+              </a:prstTxWarp>
+              <a:spAutoFit/>
+            </a:bodyPr>
+            <a:lstStyle/>
+            <a:p>
+              <a:pPr algn="ctr" fontAlgn="base">
+                <a:spcBef>
+                  <a:spcPct val="0"/>
+                </a:spcBef>
+                <a:spcAft>
+                  <a:spcPct val="0"/>
+                </a:spcAft>
+              </a:pPr>
+              <a:r>
+                <a:rPr kumimoji="1" lang="en-US" altLang="ko-KR" sz="3200" b="1" dirty="0">
+                  <a:solidFill>
+                    <a:srgbClr val="8B98D1"/>
+                  </a:solidFill>
+                  <a:latin typeface="+mj-lt"/>
+                  <a:ea typeface="맑은 고딕" pitchFamily="50" charset="-127"/>
+                  <a:cs typeface="굴림" pitchFamily="50" charset="-127"/>
+                </a:rPr>
+                <a:t>03</a:t>
+              </a:r>
+              <a:endParaRPr kumimoji="1" lang="ko-KR" altLang="ko-KR" sz="3200" b="1" dirty="0">
+                <a:solidFill>
+                  <a:srgbClr val="8B98D1"/>
+                </a:solidFill>
+                <a:latin typeface="+mj-lt"/>
+                <a:ea typeface="맑은 고딕" pitchFamily="50" charset="-127"/>
+                <a:cs typeface="굴림" pitchFamily="50" charset="-127"/>
+              </a:endParaRPr>
+            </a:p>
+          </p:txBody>
+        </p:sp>
+        <p:sp>
+          <p:nvSpPr>
+            <p:cNvPr id="8" name="직사각형 7">
+              <a:extLst>
+                <a:ext uri="{FF2B5EF4-FFF2-40B4-BE49-F238E27FC236}">
+                  <a16:creationId xmlns:a16="http://schemas.microsoft.com/office/drawing/2014/main" id="{C17A73BD-BF7E-0046-3DAE-E9A417F3D830}"/>
+                </a:ext>
+              </a:extLst>
+            </p:cNvPr>
+            <p:cNvSpPr/>
+            <p:nvPr/>
+          </p:nvSpPr>
+          <p:spPr>
+            <a:xfrm>
+              <a:off x="2971126" y="2996952"/>
+              <a:ext cx="627717" cy="45719"/>
+            </a:xfrm>
+            <a:prstGeom prst="rect">
+              <a:avLst/>
+            </a:prstGeom>
+            <a:solidFill>
+              <a:srgbClr val="8B98D1"/>
+            </a:solidFill>
+            <a:ln>
+              <a:noFill/>
+            </a:ln>
+          </p:spPr>
+          <p:style>
+            <a:lnRef idx="2">
+              <a:schemeClr val="accent1">
+                <a:shade val="50000"/>
+              </a:schemeClr>
+            </a:lnRef>
+            <a:fillRef idx="1">
+              <a:schemeClr val="accent1"/>
+            </a:fillRef>
+            <a:effectRef idx="0">
+              <a:schemeClr val="accent1"/>
+            </a:effectRef>
+            <a:fontRef idx="minor">
+              <a:schemeClr val="lt1"/>
+            </a:fontRef>
+          </p:style>
+          <p:txBody>
+            <a:bodyPr rtlCol="0" anchor="ctr"/>
+            <a:lstStyle/>
+            <a:p>
+              <a:pPr algn="ctr"/>
+              <a:endParaRPr lang="ko-KR" altLang="en-US">
+                <a:latin typeface="+mj-lt"/>
+                <a:ea typeface="맑은 고딕" pitchFamily="50" charset="-127"/>
+              </a:endParaRPr>
+            </a:p>
+          </p:txBody>
+        </p:sp>
+      </p:grpSp>
     </p:spTree>
+    <p:extLst>
+      <p:ext uri="{BB962C8B-B14F-4D97-AF65-F5344CB8AC3E}">
+        <p14:creationId xmlns:p14="http://schemas.microsoft.com/office/powerpoint/2010/main" val="1508396538"/>
+      </p:ext>
+    </p:extLst>
   </p:cSld>
   <p:clrMapOvr>
     <a:masterClrMapping/>
@@ -7900,6 +8421,486 @@
 </file>
 
 <file path=ppt/slides/slide12.xml><?xml version="1.0" encoding="utf-8"?>
+<p:sld xmlns:a="http://schemas.openxmlformats.org/drawingml/2006/main" xmlns:r="http://schemas.openxmlformats.org/officeDocument/2006/relationships" xmlns:p="http://schemas.openxmlformats.org/presentationml/2006/main">
+  <p:cSld>
+    <p:spTree>
+      <p:nvGrpSpPr>
+        <p:cNvPr id="1" name=""/>
+        <p:cNvGrpSpPr/>
+        <p:nvPr/>
+      </p:nvGrpSpPr>
+      <p:grpSpPr>
+        <a:xfrm>
+          <a:off x="0" y="0"/>
+          <a:ext cx="0" cy="0"/>
+          <a:chOff x="0" y="0"/>
+          <a:chExt cx="0" cy="0"/>
+        </a:xfrm>
+      </p:grpSpPr>
+      <p:sp>
+        <p:nvSpPr>
+          <p:cNvPr id="7" name="Text Box 9"/>
+          <p:cNvSpPr txBox="1">
+            <a:spLocks noChangeArrowheads="1"/>
+          </p:cNvSpPr>
+          <p:nvPr/>
+        </p:nvSpPr>
+        <p:spPr bwMode="auto">
+          <a:xfrm>
+            <a:off x="4454860" y="1700808"/>
+            <a:ext cx="2995450" cy="2092881"/>
+          </a:xfrm>
+          <a:prstGeom prst="rect">
+            <a:avLst/>
+          </a:prstGeom>
+          <a:noFill/>
+          <a:ln w="9525">
+            <a:noFill/>
+            <a:miter lim="800000"/>
+            <a:headEnd/>
+            <a:tailEnd/>
+          </a:ln>
+          <a:effectLst/>
+        </p:spPr>
+        <p:txBody>
+          <a:bodyPr vert="horz" wrap="square" lIns="91440" tIns="45720" rIns="91440" bIns="45720" numCol="1" anchor="t" anchorCtr="0" compatLnSpc="1">
+            <a:prstTxWarp prst="textNoShape">
+              <a:avLst/>
+            </a:prstTxWarp>
+            <a:spAutoFit/>
+          </a:bodyPr>
+          <a:lstStyle/>
+          <a:p>
+            <a:pPr marR="0" indent="-228600" algn="ctr" fontAlgn="base">
+              <a:lnSpc>
+                <a:spcPct val="200000"/>
+              </a:lnSpc>
+              <a:spcBef>
+                <a:spcPct val="0"/>
+              </a:spcBef>
+              <a:spcAft>
+                <a:spcPct val="0"/>
+              </a:spcAft>
+              <a:buClrTx/>
+              <a:buSzTx/>
+              <a:buFont typeface="+mj-lt"/>
+              <a:buAutoNum type="arabicPeriod"/>
+              <a:tabLst/>
+            </a:pPr>
+            <a:r>
+              <a:rPr kumimoji="1" lang="ko-KR" altLang="ko-KR" sz="1300" dirty="0">
+                <a:solidFill>
+                  <a:schemeClr val="tx1">
+                    <a:lumMod val="50000"/>
+                    <a:lumOff val="50000"/>
+                  </a:schemeClr>
+                </a:solidFill>
+                <a:latin typeface="+mj-lt"/>
+                <a:ea typeface="맑은 고딕" pitchFamily="50" charset="-127"/>
+                <a:cs typeface="굴림" pitchFamily="50" charset="-127"/>
+              </a:rPr>
+              <a:t> </a:t>
+            </a:r>
+            <a:r>
+              <a:rPr kumimoji="1" lang="en-US" altLang="ko-KR" sz="1300" dirty="0">
+                <a:solidFill>
+                  <a:schemeClr val="tx1">
+                    <a:lumMod val="50000"/>
+                    <a:lumOff val="50000"/>
+                  </a:schemeClr>
+                </a:solidFill>
+                <a:latin typeface="+mj-lt"/>
+                <a:ea typeface="맑은 고딕" pitchFamily="50" charset="-127"/>
+                <a:cs typeface="굴림" pitchFamily="50" charset="-127"/>
+              </a:rPr>
+              <a:t>Insert text here</a:t>
+            </a:r>
+          </a:p>
+          <a:p>
+            <a:pPr marR="0" indent="-228600" algn="ctr" fontAlgn="base">
+              <a:lnSpc>
+                <a:spcPct val="200000"/>
+              </a:lnSpc>
+              <a:spcBef>
+                <a:spcPct val="0"/>
+              </a:spcBef>
+              <a:spcAft>
+                <a:spcPct val="0"/>
+              </a:spcAft>
+              <a:buClrTx/>
+              <a:buSzTx/>
+              <a:buFont typeface="+mj-lt"/>
+              <a:buAutoNum type="arabicPeriod"/>
+              <a:tabLst/>
+            </a:pPr>
+            <a:r>
+              <a:rPr kumimoji="1" lang="en-US" altLang="ko-KR" sz="1300" dirty="0">
+                <a:solidFill>
+                  <a:schemeClr val="tx1">
+                    <a:lumMod val="50000"/>
+                    <a:lumOff val="50000"/>
+                  </a:schemeClr>
+                </a:solidFill>
+                <a:latin typeface="+mj-lt"/>
+                <a:ea typeface="맑은 고딕" pitchFamily="50" charset="-127"/>
+                <a:cs typeface="굴림" pitchFamily="50" charset="-127"/>
+              </a:rPr>
+              <a:t> Insert text here</a:t>
+            </a:r>
+          </a:p>
+          <a:p>
+            <a:pPr marR="0" indent="-228600" algn="ctr" fontAlgn="base">
+              <a:lnSpc>
+                <a:spcPct val="200000"/>
+              </a:lnSpc>
+              <a:spcBef>
+                <a:spcPct val="0"/>
+              </a:spcBef>
+              <a:spcAft>
+                <a:spcPct val="0"/>
+              </a:spcAft>
+              <a:buClrTx/>
+              <a:buSzTx/>
+              <a:buFont typeface="+mj-lt"/>
+              <a:buAutoNum type="arabicPeriod"/>
+              <a:tabLst/>
+            </a:pPr>
+            <a:r>
+              <a:rPr kumimoji="1" lang="en-US" altLang="ko-KR" sz="1300" dirty="0">
+                <a:solidFill>
+                  <a:schemeClr val="tx1">
+                    <a:lumMod val="50000"/>
+                    <a:lumOff val="50000"/>
+                  </a:schemeClr>
+                </a:solidFill>
+                <a:latin typeface="+mj-lt"/>
+                <a:ea typeface="맑은 고딕" pitchFamily="50" charset="-127"/>
+                <a:cs typeface="굴림" pitchFamily="50" charset="-127"/>
+              </a:rPr>
+              <a:t> Insert text here</a:t>
+            </a:r>
+          </a:p>
+          <a:p>
+            <a:pPr indent="-228600" algn="ctr" fontAlgn="base">
+              <a:lnSpc>
+                <a:spcPct val="200000"/>
+              </a:lnSpc>
+              <a:spcBef>
+                <a:spcPct val="0"/>
+              </a:spcBef>
+              <a:spcAft>
+                <a:spcPct val="0"/>
+              </a:spcAft>
+              <a:buFont typeface="+mj-lt"/>
+              <a:buAutoNum type="arabicPeriod"/>
+            </a:pPr>
+            <a:r>
+              <a:rPr kumimoji="1" lang="en-US" altLang="ko-KR" sz="1300" dirty="0">
+                <a:solidFill>
+                  <a:schemeClr val="tx1">
+                    <a:lumMod val="50000"/>
+                    <a:lumOff val="50000"/>
+                  </a:schemeClr>
+                </a:solidFill>
+                <a:latin typeface="+mj-lt"/>
+                <a:ea typeface="맑은 고딕" pitchFamily="50" charset="-127"/>
+                <a:cs typeface="굴림" pitchFamily="50" charset="-127"/>
+              </a:rPr>
+              <a:t> Insert text here</a:t>
+            </a:r>
+            <a:endParaRPr kumimoji="1" lang="ko-KR" altLang="ko-KR" sz="1300" dirty="0">
+              <a:solidFill>
+                <a:schemeClr val="tx1">
+                  <a:lumMod val="50000"/>
+                  <a:lumOff val="50000"/>
+                </a:schemeClr>
+              </a:solidFill>
+              <a:latin typeface="+mj-lt"/>
+              <a:ea typeface="맑은 고딕" pitchFamily="50" charset="-127"/>
+              <a:cs typeface="굴림" pitchFamily="50" charset="-127"/>
+            </a:endParaRPr>
+          </a:p>
+          <a:p>
+            <a:pPr indent="-228600" algn="ctr" fontAlgn="base">
+              <a:lnSpc>
+                <a:spcPct val="200000"/>
+              </a:lnSpc>
+              <a:spcBef>
+                <a:spcPct val="0"/>
+              </a:spcBef>
+              <a:spcAft>
+                <a:spcPct val="0"/>
+              </a:spcAft>
+              <a:buFont typeface="+mj-lt"/>
+              <a:buAutoNum type="arabicPeriod"/>
+            </a:pPr>
+            <a:r>
+              <a:rPr kumimoji="1" lang="en-US" altLang="ko-KR" sz="1300" dirty="0">
+                <a:solidFill>
+                  <a:schemeClr val="tx1">
+                    <a:lumMod val="50000"/>
+                    <a:lumOff val="50000"/>
+                  </a:schemeClr>
+                </a:solidFill>
+                <a:latin typeface="+mj-lt"/>
+                <a:ea typeface="맑은 고딕" pitchFamily="50" charset="-127"/>
+                <a:cs typeface="굴림" pitchFamily="50" charset="-127"/>
+              </a:rPr>
+              <a:t> Insert text here</a:t>
+            </a:r>
+            <a:endParaRPr kumimoji="1" lang="ko-KR" altLang="ko-KR" sz="1300" dirty="0">
+              <a:solidFill>
+                <a:schemeClr val="tx1">
+                  <a:lumMod val="50000"/>
+                  <a:lumOff val="50000"/>
+                </a:schemeClr>
+              </a:solidFill>
+              <a:latin typeface="+mj-lt"/>
+              <a:ea typeface="맑은 고딕" pitchFamily="50" charset="-127"/>
+              <a:cs typeface="굴림" pitchFamily="50" charset="-127"/>
+            </a:endParaRPr>
+          </a:p>
+        </p:txBody>
+      </p:sp>
+      <p:grpSp>
+        <p:nvGrpSpPr>
+          <p:cNvPr id="8" name="그룹 7"/>
+          <p:cNvGrpSpPr/>
+          <p:nvPr/>
+        </p:nvGrpSpPr>
+        <p:grpSpPr>
+          <a:xfrm>
+            <a:off x="2546648" y="2747248"/>
+            <a:ext cx="3816424" cy="1350924"/>
+            <a:chOff x="1880828" y="2412177"/>
+            <a:chExt cx="2808312" cy="1350924"/>
+          </a:xfrm>
+        </p:grpSpPr>
+        <p:sp>
+          <p:nvSpPr>
+            <p:cNvPr id="10" name="Text Box 5"/>
+            <p:cNvSpPr txBox="1">
+              <a:spLocks noChangeArrowheads="1"/>
+            </p:cNvSpPr>
+            <p:nvPr/>
+          </p:nvSpPr>
+          <p:spPr bwMode="auto">
+            <a:xfrm>
+              <a:off x="1880828" y="3120338"/>
+              <a:ext cx="2808312" cy="400110"/>
+            </a:xfrm>
+            <a:prstGeom prst="rect">
+              <a:avLst/>
+            </a:prstGeom>
+            <a:noFill/>
+            <a:ln w="9525">
+              <a:noFill/>
+              <a:miter lim="800000"/>
+              <a:headEnd/>
+              <a:tailEnd/>
+            </a:ln>
+            <a:effectLst/>
+          </p:spPr>
+          <p:txBody>
+            <a:bodyPr vert="horz" wrap="square" lIns="91440" tIns="45720" rIns="91440" bIns="45720" numCol="1" anchor="t" anchorCtr="0" compatLnSpc="1">
+              <a:prstTxWarp prst="textNoShape">
+                <a:avLst/>
+              </a:prstTxWarp>
+              <a:spAutoFit/>
+            </a:bodyPr>
+            <a:lstStyle/>
+            <a:p>
+              <a:pPr algn="ctr">
+                <a:defRPr/>
+              </a:pPr>
+              <a:r>
+                <a:rPr lang="ko-KR" altLang="en-US" sz="2000" b="1" dirty="0">
+                  <a:solidFill>
+                    <a:srgbClr val="8B98D1"/>
+                  </a:solidFill>
+                  <a:latin typeface="+mj-lt"/>
+                  <a:ea typeface="맑은 고딕" pitchFamily="50" charset="-127"/>
+                </a:rPr>
+                <a:t>프로그램 시연</a:t>
+              </a:r>
+              <a:endParaRPr lang="en-US" altLang="ko-KR" sz="2000" b="1" dirty="0">
+                <a:solidFill>
+                  <a:srgbClr val="8B98D1"/>
+                </a:solidFill>
+                <a:latin typeface="+mj-lt"/>
+                <a:ea typeface="맑은 고딕" pitchFamily="50" charset="-127"/>
+              </a:endParaRPr>
+            </a:p>
+          </p:txBody>
+        </p:sp>
+        <p:sp>
+          <p:nvSpPr>
+            <p:cNvPr id="12" name="직사각형 11"/>
+            <p:cNvSpPr/>
+            <p:nvPr/>
+          </p:nvSpPr>
+          <p:spPr>
+            <a:xfrm>
+              <a:off x="2033972" y="3516880"/>
+              <a:ext cx="2502024" cy="246221"/>
+            </a:xfrm>
+            <a:prstGeom prst="rect">
+              <a:avLst/>
+            </a:prstGeom>
+          </p:spPr>
+          <p:txBody>
+            <a:bodyPr wrap="square">
+              <a:spAutoFit/>
+            </a:bodyPr>
+            <a:lstStyle/>
+            <a:p>
+              <a:pPr lvl="0" algn="ctr">
+                <a:lnSpc>
+                  <a:spcPts val="1200"/>
+                </a:lnSpc>
+                <a:defRPr/>
+              </a:pPr>
+              <a:endParaRPr lang="en-US" altLang="ko-KR" sz="1100" dirty="0">
+                <a:solidFill>
+                  <a:schemeClr val="bg1">
+                    <a:lumMod val="65000"/>
+                  </a:schemeClr>
+                </a:solidFill>
+                <a:latin typeface="+mj-lt"/>
+                <a:ea typeface="맑은 고딕" pitchFamily="50" charset="-127"/>
+                <a:cs typeface="굴림" pitchFamily="50" charset="-127"/>
+              </a:endParaRPr>
+            </a:p>
+          </p:txBody>
+        </p:sp>
+        <p:sp>
+          <p:nvSpPr>
+            <p:cNvPr id="11" name="Text Box 4"/>
+            <p:cNvSpPr txBox="1">
+              <a:spLocks noChangeArrowheads="1"/>
+            </p:cNvSpPr>
+            <p:nvPr/>
+          </p:nvSpPr>
+          <p:spPr bwMode="auto">
+            <a:xfrm>
+              <a:off x="3048364" y="2412177"/>
+              <a:ext cx="473243" cy="584775"/>
+            </a:xfrm>
+            <a:prstGeom prst="rect">
+              <a:avLst/>
+            </a:prstGeom>
+            <a:noFill/>
+            <a:ln w="9525">
+              <a:noFill/>
+              <a:miter lim="800000"/>
+              <a:headEnd/>
+              <a:tailEnd/>
+            </a:ln>
+            <a:effectLst/>
+          </p:spPr>
+          <p:txBody>
+            <a:bodyPr vert="horz" wrap="none" lIns="91440" tIns="45720" rIns="91440" bIns="45720" numCol="1" anchor="t" anchorCtr="0" compatLnSpc="1">
+              <a:prstTxWarp prst="textNoShape">
+                <a:avLst/>
+              </a:prstTxWarp>
+              <a:spAutoFit/>
+            </a:bodyPr>
+            <a:lstStyle/>
+            <a:p>
+              <a:pPr algn="ctr" fontAlgn="base">
+                <a:spcBef>
+                  <a:spcPct val="0"/>
+                </a:spcBef>
+                <a:spcAft>
+                  <a:spcPct val="0"/>
+                </a:spcAft>
+              </a:pPr>
+              <a:r>
+                <a:rPr kumimoji="1" lang="en-US" altLang="ko-KR" sz="3200" b="1" dirty="0">
+                  <a:solidFill>
+                    <a:srgbClr val="8B98D1"/>
+                  </a:solidFill>
+                  <a:latin typeface="+mj-lt"/>
+                  <a:ea typeface="맑은 고딕" pitchFamily="50" charset="-127"/>
+                  <a:cs typeface="굴림" pitchFamily="50" charset="-127"/>
+                </a:rPr>
+                <a:t>04</a:t>
+              </a:r>
+              <a:endParaRPr kumimoji="1" lang="ko-KR" altLang="ko-KR" sz="3200" b="1" dirty="0">
+                <a:solidFill>
+                  <a:srgbClr val="8B98D1"/>
+                </a:solidFill>
+                <a:latin typeface="+mj-lt"/>
+                <a:ea typeface="맑은 고딕" pitchFamily="50" charset="-127"/>
+                <a:cs typeface="굴림" pitchFamily="50" charset="-127"/>
+              </a:endParaRPr>
+            </a:p>
+          </p:txBody>
+        </p:sp>
+        <p:sp>
+          <p:nvSpPr>
+            <p:cNvPr id="2" name="직사각형 1"/>
+            <p:cNvSpPr/>
+            <p:nvPr/>
+          </p:nvSpPr>
+          <p:spPr>
+            <a:xfrm>
+              <a:off x="2971126" y="2996952"/>
+              <a:ext cx="627717" cy="45719"/>
+            </a:xfrm>
+            <a:prstGeom prst="rect">
+              <a:avLst/>
+            </a:prstGeom>
+            <a:solidFill>
+              <a:srgbClr val="8B98D1"/>
+            </a:solidFill>
+            <a:ln>
+              <a:noFill/>
+            </a:ln>
+          </p:spPr>
+          <p:style>
+            <a:lnRef idx="2">
+              <a:schemeClr val="accent1">
+                <a:shade val="50000"/>
+              </a:schemeClr>
+            </a:lnRef>
+            <a:fillRef idx="1">
+              <a:schemeClr val="accent1"/>
+            </a:fillRef>
+            <a:effectRef idx="0">
+              <a:schemeClr val="accent1"/>
+            </a:effectRef>
+            <a:fontRef idx="minor">
+              <a:schemeClr val="lt1"/>
+            </a:fontRef>
+          </p:style>
+          <p:txBody>
+            <a:bodyPr rtlCol="0" anchor="ctr"/>
+            <a:lstStyle/>
+            <a:p>
+              <a:pPr algn="ctr"/>
+              <a:endParaRPr lang="ko-KR" altLang="en-US">
+                <a:latin typeface="+mj-lt"/>
+                <a:ea typeface="맑은 고딕" pitchFamily="50" charset="-127"/>
+              </a:endParaRPr>
+            </a:p>
+          </p:txBody>
+        </p:sp>
+      </p:grpSp>
+    </p:spTree>
+    <p:extLst>
+      <p:ext uri="{BB962C8B-B14F-4D97-AF65-F5344CB8AC3E}">
+        <p14:creationId xmlns:p14="http://schemas.microsoft.com/office/powerpoint/2010/main" val="930658421"/>
+      </p:ext>
+    </p:extLst>
+  </p:cSld>
+  <p:clrMapOvr>
+    <a:masterClrMapping/>
+  </p:clrMapOvr>
+</p:sld>
+</file>
+
+<file path=ppt/slides/slide13.xml><?xml version="1.0" encoding="utf-8"?>
 <p:sld xmlns:a="http://schemas.openxmlformats.org/drawingml/2006/main" xmlns:r="http://schemas.openxmlformats.org/officeDocument/2006/relationships" xmlns:p="http://schemas.openxmlformats.org/presentationml/2006/main">
   <p:cSld>
     <p:spTree>
@@ -8363,7 +9364,7 @@
                   <a:latin typeface="a고딕12" panose="02020600000000000000" pitchFamily="18" charset="-127"/>
                   <a:ea typeface="a고딕12" panose="02020600000000000000" pitchFamily="18" charset="-127"/>
                 </a:rPr>
-                <a:t>프로그램 동작방식 설명</a:t>
+                <a:t>프로그램 기능설명</a:t>
               </a:r>
               <a:endParaRPr lang="en-US" altLang="ko-KR" sz="1400" b="1" dirty="0">
                 <a:solidFill>
@@ -8831,7 +9832,7 @@
                   <a:latin typeface="a고딕12" panose="02020600000000000000" pitchFamily="18" charset="-127"/>
                   <a:ea typeface="a고딕12" panose="02020600000000000000" pitchFamily="18" charset="-127"/>
                 </a:rPr>
-                <a:t>프로그램 시현</a:t>
+                <a:t>프로그램 시연</a:t>
               </a:r>
               <a:endParaRPr lang="en-US" altLang="ko-KR" sz="1400" b="1" dirty="0">
                 <a:solidFill>
@@ -8967,480 +9968,6 @@
       </p:grpSpPr>
       <p:sp>
         <p:nvSpPr>
-          <p:cNvPr id="7" name="Text Box 9"/>
-          <p:cNvSpPr txBox="1">
-            <a:spLocks noChangeArrowheads="1"/>
-          </p:cNvSpPr>
-          <p:nvPr/>
-        </p:nvSpPr>
-        <p:spPr bwMode="auto">
-          <a:xfrm>
-            <a:off x="4454860" y="1700808"/>
-            <a:ext cx="2995450" cy="2092881"/>
-          </a:xfrm>
-          <a:prstGeom prst="rect">
-            <a:avLst/>
-          </a:prstGeom>
-          <a:noFill/>
-          <a:ln w="9525">
-            <a:noFill/>
-            <a:miter lim="800000"/>
-            <a:headEnd/>
-            <a:tailEnd/>
-          </a:ln>
-          <a:effectLst/>
-        </p:spPr>
-        <p:txBody>
-          <a:bodyPr vert="horz" wrap="square" lIns="91440" tIns="45720" rIns="91440" bIns="45720" numCol="1" anchor="t" anchorCtr="0" compatLnSpc="1">
-            <a:prstTxWarp prst="textNoShape">
-              <a:avLst/>
-            </a:prstTxWarp>
-            <a:spAutoFit/>
-          </a:bodyPr>
-          <a:lstStyle/>
-          <a:p>
-            <a:pPr marR="0" indent="-228600" algn="ctr" fontAlgn="base">
-              <a:lnSpc>
-                <a:spcPct val="200000"/>
-              </a:lnSpc>
-              <a:spcBef>
-                <a:spcPct val="0"/>
-              </a:spcBef>
-              <a:spcAft>
-                <a:spcPct val="0"/>
-              </a:spcAft>
-              <a:buClrTx/>
-              <a:buSzTx/>
-              <a:buFont typeface="+mj-lt"/>
-              <a:buAutoNum type="arabicPeriod"/>
-              <a:tabLst/>
-            </a:pPr>
-            <a:r>
-              <a:rPr kumimoji="1" lang="ko-KR" altLang="ko-KR" sz="1300" dirty="0">
-                <a:solidFill>
-                  <a:schemeClr val="tx1">
-                    <a:lumMod val="50000"/>
-                    <a:lumOff val="50000"/>
-                  </a:schemeClr>
-                </a:solidFill>
-                <a:latin typeface="+mj-lt"/>
-                <a:ea typeface="맑은 고딕" pitchFamily="50" charset="-127"/>
-                <a:cs typeface="굴림" pitchFamily="50" charset="-127"/>
-              </a:rPr>
-              <a:t> </a:t>
-            </a:r>
-            <a:r>
-              <a:rPr kumimoji="1" lang="en-US" altLang="ko-KR" sz="1300" dirty="0">
-                <a:solidFill>
-                  <a:schemeClr val="tx1">
-                    <a:lumMod val="50000"/>
-                    <a:lumOff val="50000"/>
-                  </a:schemeClr>
-                </a:solidFill>
-                <a:latin typeface="+mj-lt"/>
-                <a:ea typeface="맑은 고딕" pitchFamily="50" charset="-127"/>
-                <a:cs typeface="굴림" pitchFamily="50" charset="-127"/>
-              </a:rPr>
-              <a:t>Insert text here</a:t>
-            </a:r>
-          </a:p>
-          <a:p>
-            <a:pPr marR="0" indent="-228600" algn="ctr" fontAlgn="base">
-              <a:lnSpc>
-                <a:spcPct val="200000"/>
-              </a:lnSpc>
-              <a:spcBef>
-                <a:spcPct val="0"/>
-              </a:spcBef>
-              <a:spcAft>
-                <a:spcPct val="0"/>
-              </a:spcAft>
-              <a:buClrTx/>
-              <a:buSzTx/>
-              <a:buFont typeface="+mj-lt"/>
-              <a:buAutoNum type="arabicPeriod"/>
-              <a:tabLst/>
-            </a:pPr>
-            <a:r>
-              <a:rPr kumimoji="1" lang="en-US" altLang="ko-KR" sz="1300" dirty="0">
-                <a:solidFill>
-                  <a:schemeClr val="tx1">
-                    <a:lumMod val="50000"/>
-                    <a:lumOff val="50000"/>
-                  </a:schemeClr>
-                </a:solidFill>
-                <a:latin typeface="+mj-lt"/>
-                <a:ea typeface="맑은 고딕" pitchFamily="50" charset="-127"/>
-                <a:cs typeface="굴림" pitchFamily="50" charset="-127"/>
-              </a:rPr>
-              <a:t> Insert text here</a:t>
-            </a:r>
-          </a:p>
-          <a:p>
-            <a:pPr marR="0" indent="-228600" algn="ctr" fontAlgn="base">
-              <a:lnSpc>
-                <a:spcPct val="200000"/>
-              </a:lnSpc>
-              <a:spcBef>
-                <a:spcPct val="0"/>
-              </a:spcBef>
-              <a:spcAft>
-                <a:spcPct val="0"/>
-              </a:spcAft>
-              <a:buClrTx/>
-              <a:buSzTx/>
-              <a:buFont typeface="+mj-lt"/>
-              <a:buAutoNum type="arabicPeriod"/>
-              <a:tabLst/>
-            </a:pPr>
-            <a:r>
-              <a:rPr kumimoji="1" lang="en-US" altLang="ko-KR" sz="1300" dirty="0">
-                <a:solidFill>
-                  <a:schemeClr val="tx1">
-                    <a:lumMod val="50000"/>
-                    <a:lumOff val="50000"/>
-                  </a:schemeClr>
-                </a:solidFill>
-                <a:latin typeface="+mj-lt"/>
-                <a:ea typeface="맑은 고딕" pitchFamily="50" charset="-127"/>
-                <a:cs typeface="굴림" pitchFamily="50" charset="-127"/>
-              </a:rPr>
-              <a:t> Insert text here</a:t>
-            </a:r>
-          </a:p>
-          <a:p>
-            <a:pPr indent="-228600" algn="ctr" fontAlgn="base">
-              <a:lnSpc>
-                <a:spcPct val="200000"/>
-              </a:lnSpc>
-              <a:spcBef>
-                <a:spcPct val="0"/>
-              </a:spcBef>
-              <a:spcAft>
-                <a:spcPct val="0"/>
-              </a:spcAft>
-              <a:buFont typeface="+mj-lt"/>
-              <a:buAutoNum type="arabicPeriod"/>
-            </a:pPr>
-            <a:r>
-              <a:rPr kumimoji="1" lang="en-US" altLang="ko-KR" sz="1300" dirty="0">
-                <a:solidFill>
-                  <a:schemeClr val="tx1">
-                    <a:lumMod val="50000"/>
-                    <a:lumOff val="50000"/>
-                  </a:schemeClr>
-                </a:solidFill>
-                <a:latin typeface="+mj-lt"/>
-                <a:ea typeface="맑은 고딕" pitchFamily="50" charset="-127"/>
-                <a:cs typeface="굴림" pitchFamily="50" charset="-127"/>
-              </a:rPr>
-              <a:t> Insert text here</a:t>
-            </a:r>
-            <a:endParaRPr kumimoji="1" lang="ko-KR" altLang="ko-KR" sz="1300" dirty="0">
-              <a:solidFill>
-                <a:schemeClr val="tx1">
-                  <a:lumMod val="50000"/>
-                  <a:lumOff val="50000"/>
-                </a:schemeClr>
-              </a:solidFill>
-              <a:latin typeface="+mj-lt"/>
-              <a:ea typeface="맑은 고딕" pitchFamily="50" charset="-127"/>
-              <a:cs typeface="굴림" pitchFamily="50" charset="-127"/>
-            </a:endParaRPr>
-          </a:p>
-          <a:p>
-            <a:pPr indent="-228600" algn="ctr" fontAlgn="base">
-              <a:lnSpc>
-                <a:spcPct val="200000"/>
-              </a:lnSpc>
-              <a:spcBef>
-                <a:spcPct val="0"/>
-              </a:spcBef>
-              <a:spcAft>
-                <a:spcPct val="0"/>
-              </a:spcAft>
-              <a:buFont typeface="+mj-lt"/>
-              <a:buAutoNum type="arabicPeriod"/>
-            </a:pPr>
-            <a:r>
-              <a:rPr kumimoji="1" lang="en-US" altLang="ko-KR" sz="1300" dirty="0">
-                <a:solidFill>
-                  <a:schemeClr val="tx1">
-                    <a:lumMod val="50000"/>
-                    <a:lumOff val="50000"/>
-                  </a:schemeClr>
-                </a:solidFill>
-                <a:latin typeface="+mj-lt"/>
-                <a:ea typeface="맑은 고딕" pitchFamily="50" charset="-127"/>
-                <a:cs typeface="굴림" pitchFamily="50" charset="-127"/>
-              </a:rPr>
-              <a:t> Insert text here</a:t>
-            </a:r>
-            <a:endParaRPr kumimoji="1" lang="ko-KR" altLang="ko-KR" sz="1300" dirty="0">
-              <a:solidFill>
-                <a:schemeClr val="tx1">
-                  <a:lumMod val="50000"/>
-                  <a:lumOff val="50000"/>
-                </a:schemeClr>
-              </a:solidFill>
-              <a:latin typeface="+mj-lt"/>
-              <a:ea typeface="맑은 고딕" pitchFamily="50" charset="-127"/>
-              <a:cs typeface="굴림" pitchFamily="50" charset="-127"/>
-            </a:endParaRPr>
-          </a:p>
-        </p:txBody>
-      </p:sp>
-      <p:grpSp>
-        <p:nvGrpSpPr>
-          <p:cNvPr id="8" name="그룹 7"/>
-          <p:cNvGrpSpPr/>
-          <p:nvPr/>
-        </p:nvGrpSpPr>
-        <p:grpSpPr>
-          <a:xfrm>
-            <a:off x="1763688" y="1856743"/>
-            <a:ext cx="3816424" cy="1416047"/>
-            <a:chOff x="1880828" y="2412177"/>
-            <a:chExt cx="2808312" cy="1416047"/>
-          </a:xfrm>
-        </p:grpSpPr>
-        <p:sp>
-          <p:nvSpPr>
-            <p:cNvPr id="10" name="Text Box 5"/>
-            <p:cNvSpPr txBox="1">
-              <a:spLocks noChangeArrowheads="1"/>
-            </p:cNvSpPr>
-            <p:nvPr/>
-          </p:nvSpPr>
-          <p:spPr bwMode="auto">
-            <a:xfrm>
-              <a:off x="1880828" y="3120338"/>
-              <a:ext cx="2808312" cy="707886"/>
-            </a:xfrm>
-            <a:prstGeom prst="rect">
-              <a:avLst/>
-            </a:prstGeom>
-            <a:noFill/>
-            <a:ln w="9525">
-              <a:noFill/>
-              <a:miter lim="800000"/>
-              <a:headEnd/>
-              <a:tailEnd/>
-            </a:ln>
-            <a:effectLst/>
-          </p:spPr>
-          <p:txBody>
-            <a:bodyPr vert="horz" wrap="square" lIns="91440" tIns="45720" rIns="91440" bIns="45720" numCol="1" anchor="t" anchorCtr="0" compatLnSpc="1">
-              <a:prstTxWarp prst="textNoShape">
-                <a:avLst/>
-              </a:prstTxWarp>
-              <a:spAutoFit/>
-            </a:bodyPr>
-            <a:lstStyle/>
-            <a:p>
-              <a:pPr lvl="0" algn="ctr" fontAlgn="base">
-                <a:spcBef>
-                  <a:spcPct val="0"/>
-                </a:spcBef>
-                <a:spcAft>
-                  <a:spcPct val="0"/>
-                </a:spcAft>
-              </a:pPr>
-              <a:r>
-                <a:rPr kumimoji="1" lang="ko-KR" altLang="en-US" sz="2000" b="1" dirty="0">
-                  <a:solidFill>
-                    <a:srgbClr val="8B98D1"/>
-                  </a:solidFill>
-                  <a:latin typeface="+mj-lt"/>
-                  <a:ea typeface="맑은 고딕" pitchFamily="50" charset="-127"/>
-                  <a:cs typeface="굴림" pitchFamily="50" charset="-127"/>
-                </a:rPr>
-                <a:t>배경 및 프로젝트 선정 동기</a:t>
-              </a:r>
-            </a:p>
-          </p:txBody>
-        </p:sp>
-        <p:sp>
-          <p:nvSpPr>
-            <p:cNvPr id="12" name="직사각형 11"/>
-            <p:cNvSpPr/>
-            <p:nvPr/>
-          </p:nvSpPr>
-          <p:spPr>
-            <a:xfrm>
-              <a:off x="2033972" y="3516880"/>
-              <a:ext cx="2502024" cy="246221"/>
-            </a:xfrm>
-            <a:prstGeom prst="rect">
-              <a:avLst/>
-            </a:prstGeom>
-          </p:spPr>
-          <p:txBody>
-            <a:bodyPr wrap="square">
-              <a:spAutoFit/>
-            </a:bodyPr>
-            <a:lstStyle/>
-            <a:p>
-              <a:pPr lvl="0" algn="ctr">
-                <a:lnSpc>
-                  <a:spcPts val="1200"/>
-                </a:lnSpc>
-                <a:defRPr/>
-              </a:pPr>
-              <a:endParaRPr lang="en-US" altLang="ko-KR" sz="1100" dirty="0">
-                <a:solidFill>
-                  <a:schemeClr val="bg1">
-                    <a:lumMod val="65000"/>
-                  </a:schemeClr>
-                </a:solidFill>
-                <a:latin typeface="+mj-lt"/>
-                <a:ea typeface="맑은 고딕" pitchFamily="50" charset="-127"/>
-                <a:cs typeface="굴림" pitchFamily="50" charset="-127"/>
-              </a:endParaRPr>
-            </a:p>
-          </p:txBody>
-        </p:sp>
-        <p:sp>
-          <p:nvSpPr>
-            <p:cNvPr id="11" name="Text Box 4"/>
-            <p:cNvSpPr txBox="1">
-              <a:spLocks noChangeArrowheads="1"/>
-            </p:cNvSpPr>
-            <p:nvPr/>
-          </p:nvSpPr>
-          <p:spPr bwMode="auto">
-            <a:xfrm>
-              <a:off x="2984261" y="2412177"/>
-              <a:ext cx="601447" cy="584775"/>
-            </a:xfrm>
-            <a:prstGeom prst="rect">
-              <a:avLst/>
-            </a:prstGeom>
-            <a:noFill/>
-            <a:ln w="9525">
-              <a:noFill/>
-              <a:miter lim="800000"/>
-              <a:headEnd/>
-              <a:tailEnd/>
-            </a:ln>
-            <a:effectLst/>
-          </p:spPr>
-          <p:txBody>
-            <a:bodyPr vert="horz" wrap="none" lIns="91440" tIns="45720" rIns="91440" bIns="45720" numCol="1" anchor="t" anchorCtr="0" compatLnSpc="1">
-              <a:prstTxWarp prst="textNoShape">
-                <a:avLst/>
-              </a:prstTxWarp>
-              <a:spAutoFit/>
-            </a:bodyPr>
-            <a:lstStyle/>
-            <a:p>
-              <a:pPr algn="ctr" fontAlgn="base">
-                <a:spcBef>
-                  <a:spcPct val="0"/>
-                </a:spcBef>
-                <a:spcAft>
-                  <a:spcPct val="0"/>
-                </a:spcAft>
-              </a:pPr>
-              <a:r>
-                <a:rPr kumimoji="1" lang="en-US" altLang="ko-KR" sz="3200" b="1" dirty="0">
-                  <a:solidFill>
-                    <a:srgbClr val="8B98D1"/>
-                  </a:solidFill>
-                  <a:latin typeface="+mj-lt"/>
-                  <a:ea typeface="맑은 고딕" pitchFamily="50" charset="-127"/>
-                  <a:cs typeface="굴림" pitchFamily="50" charset="-127"/>
-                </a:rPr>
-                <a:t>01</a:t>
-              </a:r>
-              <a:endParaRPr kumimoji="1" lang="ko-KR" altLang="ko-KR" sz="3200" b="1" dirty="0">
-                <a:solidFill>
-                  <a:srgbClr val="8B98D1"/>
-                </a:solidFill>
-                <a:latin typeface="+mj-lt"/>
-                <a:ea typeface="맑은 고딕" pitchFamily="50" charset="-127"/>
-                <a:cs typeface="굴림" pitchFamily="50" charset="-127"/>
-              </a:endParaRPr>
-            </a:p>
-          </p:txBody>
-        </p:sp>
-        <p:sp>
-          <p:nvSpPr>
-            <p:cNvPr id="2" name="직사각형 1"/>
-            <p:cNvSpPr/>
-            <p:nvPr/>
-          </p:nvSpPr>
-          <p:spPr>
-            <a:xfrm>
-              <a:off x="2971126" y="2996952"/>
-              <a:ext cx="627717" cy="45719"/>
-            </a:xfrm>
-            <a:prstGeom prst="rect">
-              <a:avLst/>
-            </a:prstGeom>
-            <a:solidFill>
-              <a:srgbClr val="8B98D1"/>
-            </a:solidFill>
-            <a:ln>
-              <a:noFill/>
-            </a:ln>
-          </p:spPr>
-          <p:style>
-            <a:lnRef idx="2">
-              <a:schemeClr val="accent1">
-                <a:shade val="50000"/>
-              </a:schemeClr>
-            </a:lnRef>
-            <a:fillRef idx="1">
-              <a:schemeClr val="accent1"/>
-            </a:fillRef>
-            <a:effectRef idx="0">
-              <a:schemeClr val="accent1"/>
-            </a:effectRef>
-            <a:fontRef idx="minor">
-              <a:schemeClr val="lt1"/>
-            </a:fontRef>
-          </p:style>
-          <p:txBody>
-            <a:bodyPr rtlCol="0" anchor="ctr"/>
-            <a:lstStyle/>
-            <a:p>
-              <a:pPr algn="ctr"/>
-              <a:endParaRPr lang="ko-KR" altLang="en-US">
-                <a:latin typeface="+mj-lt"/>
-                <a:ea typeface="맑은 고딕" pitchFamily="50" charset="-127"/>
-              </a:endParaRPr>
-            </a:p>
-          </p:txBody>
-        </p:sp>
-      </p:grpSp>
-    </p:spTree>
-  </p:cSld>
-  <p:clrMapOvr>
-    <a:masterClrMapping/>
-  </p:clrMapOvr>
-</p:sld>
-</file>
-
-<file path=ppt/slides/slide4.xml><?xml version="1.0" encoding="utf-8"?>
-<p:sld xmlns:a="http://schemas.openxmlformats.org/drawingml/2006/main" xmlns:r="http://schemas.openxmlformats.org/officeDocument/2006/relationships" xmlns:p="http://schemas.openxmlformats.org/presentationml/2006/main">
-  <p:cSld>
-    <p:spTree>
-      <p:nvGrpSpPr>
-        <p:cNvPr id="1" name=""/>
-        <p:cNvGrpSpPr/>
-        <p:nvPr/>
-      </p:nvGrpSpPr>
-      <p:grpSpPr>
-        <a:xfrm>
-          <a:off x="0" y="0"/>
-          <a:ext cx="0" cy="0"/>
-          <a:chOff x="0" y="0"/>
-          <a:chExt cx="0" cy="0"/>
-        </a:xfrm>
-      </p:grpSpPr>
-      <p:sp>
-        <p:nvSpPr>
           <p:cNvPr id="2" name="제목 1"/>
           <p:cNvSpPr>
             <a:spLocks noGrp="1"/>
@@ -9500,7 +10027,7 @@
         <p:spPr>
           <a:xfrm>
             <a:off x="914765" y="2550829"/>
-            <a:ext cx="3312368" cy="3139321"/>
+            <a:ext cx="3312368" cy="3693319"/>
           </a:xfrm>
           <a:prstGeom prst="rect">
             <a:avLst/>
@@ -9513,6 +10040,10 @@
           </a:bodyPr>
           <a:lstStyle/>
           <a:p>
+            <a:pPr marL="285750" indent="-285750">
+              <a:buFont typeface="Arial" panose="020B0604020202020204" pitchFamily="34" charset="0"/>
+              <a:buChar char="•"/>
+            </a:pPr>
             <a:r>
               <a:rPr lang="ko-KR" altLang="en-US" dirty="0">
                 <a:solidFill>
@@ -9521,49 +10052,48 @@
                 <a:latin typeface="a고딕15" panose="02020600000000000000" pitchFamily="18" charset="-127"/>
                 <a:ea typeface="a고딕15" panose="02020600000000000000" pitchFamily="18" charset="-127"/>
               </a:rPr>
-              <a:t>집 </a:t>
-            </a:r>
-            <a:r>
-              <a:rPr lang="ko-KR" altLang="en-US" dirty="0" err="1">
+              <a:t>본가 방문 및 장거리 이동시</a:t>
+            </a:r>
+            <a:br>
+              <a:rPr lang="en-US" altLang="ko-KR" dirty="0">
                 <a:solidFill>
                   <a:schemeClr val="bg1"/>
                 </a:solidFill>
                 <a:latin typeface="a고딕15" panose="02020600000000000000" pitchFamily="18" charset="-127"/>
                 <a:ea typeface="a고딕15" panose="02020600000000000000" pitchFamily="18" charset="-127"/>
               </a:rPr>
-              <a:t>갈때</a:t>
-            </a:r>
-            <a:r>
-              <a:rPr lang="ko-KR" altLang="en-US" dirty="0">
+            </a:br>
+            <a:r>
+              <a:rPr lang="en-US" altLang="ko-KR" dirty="0">
                 <a:solidFill>
                   <a:schemeClr val="bg1"/>
                 </a:solidFill>
                 <a:latin typeface="a고딕15" panose="02020600000000000000" pitchFamily="18" charset="-127"/>
                 <a:ea typeface="a고딕15" panose="02020600000000000000" pitchFamily="18" charset="-127"/>
               </a:rPr>
-              <a:t> </a:t>
-            </a:r>
-            <a:r>
-              <a:rPr lang="en-US" altLang="ko-KR" dirty="0">
+              <a:t>KTX&amp;SRT </a:t>
+            </a:r>
+            <a:r>
+              <a:rPr lang="ko-KR" altLang="en-US" dirty="0">
                 <a:solidFill>
                   <a:schemeClr val="bg1"/>
                 </a:solidFill>
                 <a:latin typeface="a고딕15" panose="02020600000000000000" pitchFamily="18" charset="-127"/>
                 <a:ea typeface="a고딕15" panose="02020600000000000000" pitchFamily="18" charset="-127"/>
               </a:rPr>
-              <a:t>or</a:t>
-            </a:r>
-            <a:r>
-              <a:rPr lang="ko-KR" altLang="en-US" dirty="0">
+              <a:t>이용함</a:t>
+            </a:r>
+            <a:r>
+              <a:rPr lang="en-US" altLang="ko-KR" dirty="0">
                 <a:solidFill>
                   <a:schemeClr val="bg1"/>
                 </a:solidFill>
                 <a:latin typeface="a고딕15" panose="02020600000000000000" pitchFamily="18" charset="-127"/>
                 <a:ea typeface="a고딕15" panose="02020600000000000000" pitchFamily="18" charset="-127"/>
               </a:rPr>
-              <a:t> 이동시 </a:t>
-            </a:r>
-            <a:r>
+              <a:t>.</a:t>
+            </a:r>
+            <a:br>
               <a:rPr lang="en-US" altLang="ko-KR" dirty="0">
                 <a:solidFill>
                   <a:schemeClr val="bg1"/>
@@ -9571,18 +10101,7 @@
                 <a:latin typeface="a고딕15" panose="02020600000000000000" pitchFamily="18" charset="-127"/>
                 <a:ea typeface="a고딕15" panose="02020600000000000000" pitchFamily="18" charset="-127"/>
               </a:rPr>
-              <a:t>KTX SRT </a:t>
-            </a:r>
-            <a:r>
-              <a:rPr lang="ko-KR" altLang="en-US" dirty="0">
-                <a:solidFill>
-                  <a:schemeClr val="bg1"/>
-                </a:solidFill>
-                <a:latin typeface="a고딕15" panose="02020600000000000000" pitchFamily="18" charset="-127"/>
-                <a:ea typeface="a고딕15" panose="02020600000000000000" pitchFamily="18" charset="-127"/>
-              </a:rPr>
-              <a:t>이용</a:t>
-            </a:r>
+            </a:br>
             <a:endParaRPr lang="en-US" altLang="ko-KR" dirty="0">
               <a:solidFill>
                 <a:schemeClr val="bg1"/>
@@ -9592,6 +10111,88 @@
             </a:endParaRPr>
           </a:p>
           <a:p>
+            <a:pPr marL="285750" indent="-285750">
+              <a:buFont typeface="Arial" panose="020B0604020202020204" pitchFamily="34" charset="0"/>
+              <a:buChar char="•"/>
+            </a:pPr>
+            <a:r>
+              <a:rPr lang="ko-KR" altLang="en-US" dirty="0">
+                <a:solidFill>
+                  <a:schemeClr val="bg1"/>
+                </a:solidFill>
+                <a:latin typeface="a고딕15" panose="02020600000000000000" pitchFamily="18" charset="-127"/>
+                <a:ea typeface="a고딕15" panose="02020600000000000000" pitchFamily="18" charset="-127"/>
+              </a:rPr>
+              <a:t>금</a:t>
+            </a:r>
+            <a:r>
+              <a:rPr lang="en-US" altLang="ko-KR" dirty="0">
+                <a:solidFill>
+                  <a:schemeClr val="bg1"/>
+                </a:solidFill>
+                <a:latin typeface="a고딕15" panose="02020600000000000000" pitchFamily="18" charset="-127"/>
+                <a:ea typeface="a고딕15" panose="02020600000000000000" pitchFamily="18" charset="-127"/>
+              </a:rPr>
+              <a:t>~</a:t>
+            </a:r>
+            <a:r>
+              <a:rPr lang="ko-KR" altLang="en-US" dirty="0">
+                <a:solidFill>
+                  <a:schemeClr val="bg1"/>
+                </a:solidFill>
+                <a:latin typeface="a고딕15" panose="02020600000000000000" pitchFamily="18" charset="-127"/>
+                <a:ea typeface="a고딕15" panose="02020600000000000000" pitchFamily="18" charset="-127"/>
+              </a:rPr>
+              <a:t>일요일까지 </a:t>
+            </a:r>
+            <a:r>
+              <a:rPr lang="en-US" altLang="ko-KR" dirty="0">
+                <a:solidFill>
+                  <a:schemeClr val="bg1"/>
+                </a:solidFill>
+                <a:latin typeface="a고딕15" panose="02020600000000000000" pitchFamily="18" charset="-127"/>
+                <a:ea typeface="a고딕15" panose="02020600000000000000" pitchFamily="18" charset="-127"/>
+              </a:rPr>
+              <a:t>KTX&amp;SRT  </a:t>
+            </a:r>
+            <a:br>
+              <a:rPr lang="en-US" altLang="ko-KR" dirty="0">
+                <a:solidFill>
+                  <a:schemeClr val="bg1"/>
+                </a:solidFill>
+                <a:latin typeface="a고딕15" panose="02020600000000000000" pitchFamily="18" charset="-127"/>
+                <a:ea typeface="a고딕15" panose="02020600000000000000" pitchFamily="18" charset="-127"/>
+              </a:rPr>
+            </a:br>
+            <a:r>
+              <a:rPr lang="ko-KR" altLang="en-US" dirty="0">
+                <a:solidFill>
+                  <a:schemeClr val="bg1"/>
+                </a:solidFill>
+                <a:latin typeface="a고딕15" panose="02020600000000000000" pitchFamily="18" charset="-127"/>
+                <a:ea typeface="a고딕15" panose="02020600000000000000" pitchFamily="18" charset="-127"/>
+              </a:rPr>
+              <a:t>매진으로 예매에 어려움을 격음</a:t>
+            </a:r>
+            <a:r>
+              <a:rPr lang="en-US" altLang="ko-KR" dirty="0">
+                <a:solidFill>
+                  <a:schemeClr val="bg1"/>
+                </a:solidFill>
+                <a:latin typeface="a고딕15" panose="02020600000000000000" pitchFamily="18" charset="-127"/>
+                <a:ea typeface="a고딕15" panose="02020600000000000000" pitchFamily="18" charset="-127"/>
+              </a:rPr>
+              <a:t>.</a:t>
+            </a:r>
+            <a:br>
+              <a:rPr lang="en-US" altLang="ko-KR" dirty="0">
+                <a:solidFill>
+                  <a:schemeClr val="bg1"/>
+                </a:solidFill>
+                <a:latin typeface="a고딕15" panose="02020600000000000000" pitchFamily="18" charset="-127"/>
+                <a:ea typeface="a고딕15" panose="02020600000000000000" pitchFamily="18" charset="-127"/>
+              </a:rPr>
+            </a:br>
             <a:endParaRPr lang="en-US" altLang="ko-KR" dirty="0">
               <a:solidFill>
                 <a:schemeClr val="bg1"/>
@@ -9601,45 +10202,19 @@
             </a:endParaRPr>
           </a:p>
           <a:p>
-            <a:r>
-              <a:rPr lang="ko-KR" altLang="en-US" dirty="0" err="1">
+            <a:pPr marL="285750" indent="-285750">
+              <a:buFont typeface="Arial" panose="020B0604020202020204" pitchFamily="34" charset="0"/>
+              <a:buChar char="•"/>
+            </a:pPr>
+            <a:r>
+              <a:rPr lang="ko-KR" altLang="en-US" dirty="0">
                 <a:solidFill>
                   <a:schemeClr val="bg1"/>
                 </a:solidFill>
                 <a:latin typeface="a고딕15" panose="02020600000000000000" pitchFamily="18" charset="-127"/>
                 <a:ea typeface="a고딕15" panose="02020600000000000000" pitchFamily="18" charset="-127"/>
               </a:rPr>
-              <a:t>특정요일의</a:t>
-            </a:r>
-            <a:r>
-              <a:rPr lang="ko-KR" altLang="en-US" dirty="0">
-                <a:solidFill>
-                  <a:schemeClr val="bg1"/>
-                </a:solidFill>
-                <a:latin typeface="a고딕15" panose="02020600000000000000" pitchFamily="18" charset="-127"/>
-                <a:ea typeface="a고딕15" panose="02020600000000000000" pitchFamily="18" charset="-127"/>
-              </a:rPr>
-              <a:t> 예약이 힘들다</a:t>
-            </a:r>
-            <a:r>
-              <a:rPr lang="en-US" altLang="ko-KR" dirty="0">
-                <a:solidFill>
-                  <a:schemeClr val="bg1"/>
-                </a:solidFill>
-                <a:latin typeface="a고딕15" panose="02020600000000000000" pitchFamily="18" charset="-127"/>
-                <a:ea typeface="a고딕15" panose="02020600000000000000" pitchFamily="18" charset="-127"/>
-              </a:rPr>
-              <a:t>. </a:t>
-            </a:r>
-            <a:r>
-              <a:rPr lang="ko-KR" altLang="en-US" dirty="0">
-                <a:solidFill>
-                  <a:schemeClr val="bg1"/>
-                </a:solidFill>
-                <a:latin typeface="a고딕15" panose="02020600000000000000" pitchFamily="18" charset="-127"/>
-                <a:ea typeface="a고딕15" panose="02020600000000000000" pitchFamily="18" charset="-127"/>
-              </a:rPr>
-              <a:t>경쟁 심함</a:t>
+              <a:t>예약취소 표가 나올 시 빠른 예매를 위해 선정함</a:t>
             </a:r>
             <a:r>
               <a:rPr lang="en-US" altLang="ko-KR" dirty="0">
@@ -9651,9 +10226,7 @@
               </a:rPr>
               <a:t>.</a:t>
             </a:r>
-          </a:p>
-          <a:p>
-            <a:r>
+            <a:br>
               <a:rPr lang="en-US" altLang="ko-KR" dirty="0">
                 <a:solidFill>
                   <a:schemeClr val="bg1"/>
@@ -9661,18 +10234,7 @@
                 <a:latin typeface="a고딕15" panose="02020600000000000000" pitchFamily="18" charset="-127"/>
                 <a:ea typeface="a고딕15" panose="02020600000000000000" pitchFamily="18" charset="-127"/>
               </a:rPr>
-              <a:t> </a:t>
-            </a:r>
-            <a:r>
-              <a:rPr lang="ko-KR" altLang="en-US" dirty="0">
-                <a:solidFill>
-                  <a:schemeClr val="bg1"/>
-                </a:solidFill>
-                <a:latin typeface="a고딕15" panose="02020600000000000000" pitchFamily="18" charset="-127"/>
-                <a:ea typeface="a고딕15" panose="02020600000000000000" pitchFamily="18" charset="-127"/>
-              </a:rPr>
-              <a:t>그러나 취소도 꽤 있는데 그 경우 예매를 빠르게 하기 위해 진행</a:t>
-            </a:r>
+            </a:br>
             <a:endParaRPr lang="en-US" altLang="ko-KR" dirty="0">
               <a:solidFill>
                 <a:schemeClr val="bg1"/>
@@ -9682,15 +10244,10 @@
             </a:endParaRPr>
           </a:p>
           <a:p>
-            <a:endParaRPr lang="en-US" altLang="ko-KR" dirty="0">
-              <a:solidFill>
-                <a:schemeClr val="bg1"/>
-              </a:solidFill>
-              <a:latin typeface="a고딕15" panose="02020600000000000000" pitchFamily="18" charset="-127"/>
-              <a:ea typeface="a고딕15" panose="02020600000000000000" pitchFamily="18" charset="-127"/>
-            </a:endParaRPr>
-          </a:p>
-          <a:p>
+            <a:pPr marL="285750" indent="-285750">
+              <a:buFont typeface="Arial" panose="020B0604020202020204" pitchFamily="34" charset="0"/>
+              <a:buChar char="•"/>
+            </a:pPr>
             <a:r>
               <a:rPr lang="en-US" altLang="ko-KR" dirty="0">
                 <a:solidFill>
@@ -9699,19 +10256,8 @@
                 <a:latin typeface="a고딕15" panose="02020600000000000000" pitchFamily="18" charset="-127"/>
                 <a:ea typeface="a고딕15" panose="02020600000000000000" pitchFamily="18" charset="-127"/>
               </a:rPr>
-              <a:t>&amp;</a:t>
-            </a:r>
-          </a:p>
-          <a:p>
-            <a:endParaRPr lang="en-US" altLang="ko-KR" dirty="0">
-              <a:solidFill>
-                <a:schemeClr val="bg1"/>
-              </a:solidFill>
-              <a:latin typeface="a고딕15" panose="02020600000000000000" pitchFamily="18" charset="-127"/>
-              <a:ea typeface="a고딕15" panose="02020600000000000000" pitchFamily="18" charset="-127"/>
-            </a:endParaRPr>
-          </a:p>
-          <a:p>
+              <a:t>KTX&amp;SRT </a:t>
+            </a:r>
             <a:r>
               <a:rPr lang="ko-KR" altLang="en-US" dirty="0">
                 <a:solidFill>
@@ -9720,18 +10266,17 @@
                 <a:latin typeface="a고딕15" panose="02020600000000000000" pitchFamily="18" charset="-127"/>
                 <a:ea typeface="a고딕15" panose="02020600000000000000" pitchFamily="18" charset="-127"/>
               </a:rPr>
-              <a:t>예매를 빠르게 </a:t>
-            </a:r>
-            <a:r>
-              <a:rPr lang="ko-KR" altLang="en-US" dirty="0" err="1">
+              <a:t>이용의 편리를 위해 </a:t>
+            </a:r>
+            <a:br>
+              <a:rPr lang="en-US" altLang="ko-KR" dirty="0">
                 <a:solidFill>
                   <a:schemeClr val="bg1"/>
                 </a:solidFill>
                 <a:latin typeface="a고딕15" panose="02020600000000000000" pitchFamily="18" charset="-127"/>
                 <a:ea typeface="a고딕15" panose="02020600000000000000" pitchFamily="18" charset="-127"/>
               </a:rPr>
-              <a:t>돕도록함</a:t>
-            </a:r>
+            </a:br>
             <a:r>
               <a:rPr lang="ko-KR" altLang="en-US" dirty="0">
                 <a:solidFill>
@@ -9740,15 +10285,18 @@
                 <a:latin typeface="a고딕15" panose="02020600000000000000" pitchFamily="18" charset="-127"/>
                 <a:ea typeface="a고딕15" panose="02020600000000000000" pitchFamily="18" charset="-127"/>
               </a:rPr>
-              <a:t> </a:t>
-            </a:r>
-            <a:endParaRPr lang="en-US" altLang="ko-KR" dirty="0">
-              <a:solidFill>
-                <a:schemeClr val="bg1"/>
-              </a:solidFill>
-              <a:latin typeface="a고딕15" panose="02020600000000000000" pitchFamily="18" charset="-127"/>
-              <a:ea typeface="a고딕15" panose="02020600000000000000" pitchFamily="18" charset="-127"/>
-            </a:endParaRPr>
+              <a:t>본 프로젝트를 선정하여 실제로 사용할  수 있도록 선정함</a:t>
+            </a:r>
+            <a:r>
+              <a:rPr lang="en-US" altLang="ko-KR" dirty="0">
+                <a:solidFill>
+                  <a:schemeClr val="bg1"/>
+                </a:solidFill>
+                <a:latin typeface="a고딕15" panose="02020600000000000000" pitchFamily="18" charset="-127"/>
+                <a:ea typeface="a고딕15" panose="02020600000000000000" pitchFamily="18" charset="-127"/>
+              </a:rPr>
+              <a:t>.</a:t>
+            </a:r>
           </a:p>
           <a:p>
             <a:endParaRPr lang="ko-KR" altLang="en-US" dirty="0">
@@ -10044,7 +10592,7 @@
         </p:blipFill>
         <p:spPr bwMode="auto">
           <a:xfrm>
-            <a:off x="5000363" y="2354767"/>
+            <a:off x="5021550" y="2445113"/>
             <a:ext cx="3366874" cy="1479836"/>
           </a:xfrm>
           <a:prstGeom prst="rect">
@@ -10091,7 +10639,7 @@
         </p:blipFill>
         <p:spPr bwMode="auto">
           <a:xfrm>
-            <a:off x="5000363" y="4146563"/>
+            <a:off x="5021550" y="4528829"/>
             <a:ext cx="3366874" cy="1641351"/>
           </a:xfrm>
           <a:prstGeom prst="rect">
@@ -10112,7 +10660,7 @@
     </p:spTree>
     <p:extLst>
       <p:ext uri="{BB962C8B-B14F-4D97-AF65-F5344CB8AC3E}">
-        <p14:creationId xmlns:p14="http://schemas.microsoft.com/office/powerpoint/2010/main" val="4035707526"/>
+        <p14:creationId xmlns:p14="http://schemas.microsoft.com/office/powerpoint/2010/main" val="223833971"/>
       </p:ext>
     </p:extLst>
   </p:cSld>
@@ -10122,7 +10670,7 @@
 </p:sld>
 </file>
 
-<file path=ppt/slides/slide5.xml><?xml version="1.0" encoding="utf-8"?>
+<file path=ppt/slides/slide4.xml><?xml version="1.0" encoding="utf-8"?>
 <p:sld xmlns:a="http://schemas.openxmlformats.org/drawingml/2006/main" xmlns:r="http://schemas.openxmlformats.org/officeDocument/2006/relationships" xmlns:p="http://schemas.openxmlformats.org/presentationml/2006/main">
   <p:cSld>
     <p:spTree>
@@ -10141,158 +10689,6 @@
       </p:grpSpPr>
       <p:sp>
         <p:nvSpPr>
-          <p:cNvPr id="2" name="제목 1"/>
-          <p:cNvSpPr>
-            <a:spLocks noGrp="1"/>
-          </p:cNvSpPr>
-          <p:nvPr>
-            <p:ph type="title"/>
-          </p:nvPr>
-        </p:nvSpPr>
-        <p:spPr/>
-        <p:txBody>
-          <a:bodyPr/>
-          <a:lstStyle/>
-          <a:p>
-            <a:r>
-              <a:rPr lang="en-US" altLang="ko-KR"/>
-              <a:t>Add some text to the title slide</a:t>
-            </a:r>
-            <a:endParaRPr lang="ko-KR" altLang="en-US" dirty="0"/>
-          </a:p>
-        </p:txBody>
-      </p:sp>
-      <p:sp>
-        <p:nvSpPr>
-          <p:cNvPr id="37" name="내용 개체 틀 36"/>
-          <p:cNvSpPr>
-            <a:spLocks noGrp="1"/>
-          </p:cNvSpPr>
-          <p:nvPr>
-            <p:ph idx="1"/>
-          </p:nvPr>
-        </p:nvSpPr>
-        <p:spPr/>
-        <p:txBody>
-          <a:bodyPr/>
-          <a:lstStyle/>
-          <a:p>
-            <a:r>
-              <a:rPr lang="en-US" altLang="ko-KR" dirty="0"/>
-              <a:t>Replace with your own text</a:t>
-            </a:r>
-            <a:endParaRPr lang="ko-KR" altLang="en-US" dirty="0"/>
-          </a:p>
-        </p:txBody>
-      </p:sp>
-    </p:spTree>
-    <p:extLst>
-      <p:ext uri="{BB962C8B-B14F-4D97-AF65-F5344CB8AC3E}">
-        <p14:creationId xmlns:p14="http://schemas.microsoft.com/office/powerpoint/2010/main" val="1143356522"/>
-      </p:ext>
-    </p:extLst>
-  </p:cSld>
-  <p:clrMapOvr>
-    <a:masterClrMapping/>
-  </p:clrMapOvr>
-</p:sld>
-</file>
-
-<file path=ppt/slides/slide6.xml><?xml version="1.0" encoding="utf-8"?>
-<p:sld xmlns:a="http://schemas.openxmlformats.org/drawingml/2006/main" xmlns:r="http://schemas.openxmlformats.org/officeDocument/2006/relationships" xmlns:p="http://schemas.openxmlformats.org/presentationml/2006/main">
-  <p:cSld>
-    <p:spTree>
-      <p:nvGrpSpPr>
-        <p:cNvPr id="1" name=""/>
-        <p:cNvGrpSpPr/>
-        <p:nvPr/>
-      </p:nvGrpSpPr>
-      <p:grpSpPr>
-        <a:xfrm>
-          <a:off x="0" y="0"/>
-          <a:ext cx="0" cy="0"/>
-          <a:chOff x="0" y="0"/>
-          <a:chExt cx="0" cy="0"/>
-        </a:xfrm>
-      </p:grpSpPr>
-      <p:sp>
-        <p:nvSpPr>
-          <p:cNvPr id="2" name="제목 1"/>
-          <p:cNvSpPr>
-            <a:spLocks noGrp="1"/>
-          </p:cNvSpPr>
-          <p:nvPr>
-            <p:ph type="title"/>
-          </p:nvPr>
-        </p:nvSpPr>
-        <p:spPr/>
-        <p:txBody>
-          <a:bodyPr/>
-          <a:lstStyle/>
-          <a:p>
-            <a:r>
-              <a:rPr lang="en-US" altLang="ko-KR"/>
-              <a:t>Add some text to the title slide</a:t>
-            </a:r>
-            <a:endParaRPr lang="ko-KR" altLang="en-US" dirty="0"/>
-          </a:p>
-        </p:txBody>
-      </p:sp>
-      <p:sp>
-        <p:nvSpPr>
-          <p:cNvPr id="37" name="내용 개체 틀 36"/>
-          <p:cNvSpPr>
-            <a:spLocks noGrp="1"/>
-          </p:cNvSpPr>
-          <p:nvPr>
-            <p:ph idx="1"/>
-          </p:nvPr>
-        </p:nvSpPr>
-        <p:spPr/>
-        <p:txBody>
-          <a:bodyPr/>
-          <a:lstStyle/>
-          <a:p>
-            <a:r>
-              <a:rPr lang="en-US" altLang="ko-KR" dirty="0"/>
-              <a:t>Replace with your own text</a:t>
-            </a:r>
-            <a:endParaRPr lang="ko-KR" altLang="en-US" dirty="0"/>
-          </a:p>
-        </p:txBody>
-      </p:sp>
-    </p:spTree>
-    <p:extLst>
-      <p:ext uri="{BB962C8B-B14F-4D97-AF65-F5344CB8AC3E}">
-        <p14:creationId xmlns:p14="http://schemas.microsoft.com/office/powerpoint/2010/main" val="2459867395"/>
-      </p:ext>
-    </p:extLst>
-  </p:cSld>
-  <p:clrMapOvr>
-    <a:masterClrMapping/>
-  </p:clrMapOvr>
-</p:sld>
-</file>
-
-<file path=ppt/slides/slide7.xml><?xml version="1.0" encoding="utf-8"?>
-<p:sld xmlns:a="http://schemas.openxmlformats.org/drawingml/2006/main" xmlns:r="http://schemas.openxmlformats.org/officeDocument/2006/relationships" xmlns:p="http://schemas.openxmlformats.org/presentationml/2006/main">
-  <p:cSld>
-    <p:spTree>
-      <p:nvGrpSpPr>
-        <p:cNvPr id="1" name=""/>
-        <p:cNvGrpSpPr/>
-        <p:nvPr/>
-      </p:nvGrpSpPr>
-      <p:grpSpPr>
-        <a:xfrm>
-          <a:off x="0" y="0"/>
-          <a:ext cx="0" cy="0"/>
-          <a:chOff x="0" y="0"/>
-          <a:chExt cx="0" cy="0"/>
-        </a:xfrm>
-      </p:grpSpPr>
-      <p:sp>
-        <p:nvSpPr>
           <p:cNvPr id="7" name="Text Box 9"/>
           <p:cNvSpPr txBox="1">
             <a:spLocks noChangeArrowheads="1"/>
@@ -10301,7 +10697,7 @@
         </p:nvSpPr>
         <p:spPr bwMode="auto">
           <a:xfrm>
-            <a:off x="4454860" y="1700808"/>
+            <a:off x="4932040" y="2276872"/>
             <a:ext cx="2995450" cy="2092881"/>
           </a:xfrm>
           <a:prstGeom prst="rect">
@@ -10524,7 +10920,7 @@
         </p:nvGrpSpPr>
         <p:grpSpPr>
           <a:xfrm>
-            <a:off x="1763688" y="1856743"/>
+            <a:off x="2663788" y="2647850"/>
             <a:ext cx="3816424" cy="1350924"/>
             <a:chOff x="1880828" y="2412177"/>
             <a:chExt cx="2808312" cy="1350924"/>
@@ -10754,7 +11150,1180 @@
     </p:spTree>
     <p:extLst>
       <p:ext uri="{BB962C8B-B14F-4D97-AF65-F5344CB8AC3E}">
-        <p14:creationId xmlns:p14="http://schemas.microsoft.com/office/powerpoint/2010/main" val="3969340104"/>
+        <p14:creationId xmlns:p14="http://schemas.microsoft.com/office/powerpoint/2010/main" val="2031656589"/>
+      </p:ext>
+    </p:extLst>
+  </p:cSld>
+  <p:clrMapOvr>
+    <a:masterClrMapping/>
+  </p:clrMapOvr>
+</p:sld>
+</file>
+
+<file path=ppt/slides/slide5.xml><?xml version="1.0" encoding="utf-8"?>
+<p:sld xmlns:a="http://schemas.openxmlformats.org/drawingml/2006/main" xmlns:r="http://schemas.openxmlformats.org/officeDocument/2006/relationships" xmlns:p="http://schemas.openxmlformats.org/presentationml/2006/main">
+  <p:cSld>
+    <p:spTree>
+      <p:nvGrpSpPr>
+        <p:cNvPr id="1" name=""/>
+        <p:cNvGrpSpPr/>
+        <p:nvPr/>
+      </p:nvGrpSpPr>
+      <p:grpSpPr>
+        <a:xfrm>
+          <a:off x="0" y="0"/>
+          <a:ext cx="0" cy="0"/>
+          <a:chOff x="0" y="0"/>
+          <a:chExt cx="0" cy="0"/>
+        </a:xfrm>
+      </p:grpSpPr>
+      <p:sp>
+        <p:nvSpPr>
+          <p:cNvPr id="2" name="제목 1"/>
+          <p:cNvSpPr>
+            <a:spLocks noGrp="1"/>
+          </p:cNvSpPr>
+          <p:nvPr>
+            <p:ph type="title"/>
+          </p:nvPr>
+        </p:nvSpPr>
+        <p:spPr/>
+        <p:txBody>
+          <a:bodyPr/>
+          <a:lstStyle/>
+          <a:p>
+            <a:r>
+              <a:rPr lang="en-US" altLang="ko-KR" dirty="0"/>
+              <a:t>Add some text to the title slide</a:t>
+            </a:r>
+            <a:r>
+              <a:rPr lang="ko-KR" altLang="en-US" dirty="0"/>
+              <a:t>ㄴ</a:t>
+            </a:r>
+          </a:p>
+        </p:txBody>
+      </p:sp>
+      <p:sp>
+        <p:nvSpPr>
+          <p:cNvPr id="37" name="내용 개체 틀 36"/>
+          <p:cNvSpPr>
+            <a:spLocks noGrp="1"/>
+          </p:cNvSpPr>
+          <p:nvPr>
+            <p:ph idx="1"/>
+          </p:nvPr>
+        </p:nvSpPr>
+        <p:spPr/>
+        <p:txBody>
+          <a:bodyPr/>
+          <a:lstStyle/>
+          <a:p>
+            <a:r>
+              <a:rPr lang="en-US" altLang="ko-KR" dirty="0"/>
+              <a:t>Replace with your own text</a:t>
+            </a:r>
+            <a:endParaRPr lang="ko-KR" altLang="en-US" dirty="0"/>
+          </a:p>
+        </p:txBody>
+      </p:sp>
+      <p:grpSp>
+        <p:nvGrpSpPr>
+          <p:cNvPr id="4" name="그룹 3">
+            <a:extLst>
+              <a:ext uri="{FF2B5EF4-FFF2-40B4-BE49-F238E27FC236}">
+                <a16:creationId xmlns:a16="http://schemas.microsoft.com/office/drawing/2014/main" id="{898F0CF0-9E26-AEDD-15DC-7ACBAE36ABBD}"/>
+              </a:ext>
+            </a:extLst>
+          </p:cNvPr>
+          <p:cNvGrpSpPr/>
+          <p:nvPr/>
+        </p:nvGrpSpPr>
+        <p:grpSpPr>
+          <a:xfrm>
+            <a:off x="2555776" y="255939"/>
+            <a:ext cx="3816424" cy="1350924"/>
+            <a:chOff x="1880828" y="2412177"/>
+            <a:chExt cx="2808312" cy="1350924"/>
+          </a:xfrm>
+        </p:grpSpPr>
+        <p:sp>
+          <p:nvSpPr>
+            <p:cNvPr id="5" name="Text Box 5">
+              <a:extLst>
+                <a:ext uri="{FF2B5EF4-FFF2-40B4-BE49-F238E27FC236}">
+                  <a16:creationId xmlns:a16="http://schemas.microsoft.com/office/drawing/2014/main" id="{DD9A9685-8F85-F4BF-22EE-01A3ECF0C1B1}"/>
+                </a:ext>
+              </a:extLst>
+            </p:cNvPr>
+            <p:cNvSpPr txBox="1">
+              <a:spLocks noChangeArrowheads="1"/>
+            </p:cNvSpPr>
+            <p:nvPr/>
+          </p:nvSpPr>
+          <p:spPr bwMode="auto">
+            <a:xfrm>
+              <a:off x="1880828" y="3120338"/>
+              <a:ext cx="2808312" cy="400110"/>
+            </a:xfrm>
+            <a:prstGeom prst="rect">
+              <a:avLst/>
+            </a:prstGeom>
+            <a:noFill/>
+            <a:ln w="9525">
+              <a:noFill/>
+              <a:miter lim="800000"/>
+              <a:headEnd/>
+              <a:tailEnd/>
+            </a:ln>
+            <a:effectLst/>
+          </p:spPr>
+          <p:txBody>
+            <a:bodyPr vert="horz" wrap="square" lIns="91440" tIns="45720" rIns="91440" bIns="45720" numCol="1" anchor="t" anchorCtr="0" compatLnSpc="1">
+              <a:prstTxWarp prst="textNoShape">
+                <a:avLst/>
+              </a:prstTxWarp>
+              <a:spAutoFit/>
+            </a:bodyPr>
+            <a:lstStyle/>
+            <a:p>
+              <a:pPr algn="ctr">
+                <a:defRPr/>
+              </a:pPr>
+              <a:r>
+                <a:rPr lang="en-US" altLang="ko-KR" sz="2000" b="1" dirty="0">
+                  <a:solidFill>
+                    <a:srgbClr val="8B98D1"/>
+                  </a:solidFill>
+                  <a:latin typeface="+mj-lt"/>
+                  <a:ea typeface="맑은 고딕" pitchFamily="50" charset="-127"/>
+                </a:rPr>
+                <a:t>Git</a:t>
+              </a:r>
+              <a:r>
+                <a:rPr lang="ko-KR" altLang="en-US" sz="2000" b="1" dirty="0">
+                  <a:solidFill>
+                    <a:srgbClr val="8B98D1"/>
+                  </a:solidFill>
+                  <a:latin typeface="+mj-lt"/>
+                  <a:ea typeface="맑은 고딕" pitchFamily="50" charset="-127"/>
+                </a:rPr>
+                <a:t>활용 분업 파트</a:t>
+              </a:r>
+              <a:endParaRPr lang="en-US" altLang="ko-KR" sz="2000" b="1" dirty="0">
+                <a:solidFill>
+                  <a:srgbClr val="8B98D1"/>
+                </a:solidFill>
+                <a:latin typeface="+mj-lt"/>
+                <a:ea typeface="맑은 고딕" pitchFamily="50" charset="-127"/>
+              </a:endParaRPr>
+            </a:p>
+          </p:txBody>
+        </p:sp>
+        <p:sp>
+          <p:nvSpPr>
+            <p:cNvPr id="6" name="직사각형 5">
+              <a:extLst>
+                <a:ext uri="{FF2B5EF4-FFF2-40B4-BE49-F238E27FC236}">
+                  <a16:creationId xmlns:a16="http://schemas.microsoft.com/office/drawing/2014/main" id="{DAE36F53-FFCA-968B-465B-6133308DE501}"/>
+                </a:ext>
+              </a:extLst>
+            </p:cNvPr>
+            <p:cNvSpPr/>
+            <p:nvPr/>
+          </p:nvSpPr>
+          <p:spPr>
+            <a:xfrm>
+              <a:off x="2033972" y="3516880"/>
+              <a:ext cx="2502024" cy="246221"/>
+            </a:xfrm>
+            <a:prstGeom prst="rect">
+              <a:avLst/>
+            </a:prstGeom>
+          </p:spPr>
+          <p:txBody>
+            <a:bodyPr wrap="square">
+              <a:spAutoFit/>
+            </a:bodyPr>
+            <a:lstStyle/>
+            <a:p>
+              <a:pPr lvl="0" algn="ctr">
+                <a:lnSpc>
+                  <a:spcPts val="1200"/>
+                </a:lnSpc>
+                <a:defRPr/>
+              </a:pPr>
+              <a:endParaRPr lang="en-US" altLang="ko-KR" sz="1100" dirty="0">
+                <a:solidFill>
+                  <a:schemeClr val="bg1">
+                    <a:lumMod val="65000"/>
+                  </a:schemeClr>
+                </a:solidFill>
+                <a:latin typeface="+mj-lt"/>
+                <a:ea typeface="맑은 고딕" pitchFamily="50" charset="-127"/>
+                <a:cs typeface="굴림" pitchFamily="50" charset="-127"/>
+              </a:endParaRPr>
+            </a:p>
+          </p:txBody>
+        </p:sp>
+        <p:sp>
+          <p:nvSpPr>
+            <p:cNvPr id="7" name="Text Box 4">
+              <a:extLst>
+                <a:ext uri="{FF2B5EF4-FFF2-40B4-BE49-F238E27FC236}">
+                  <a16:creationId xmlns:a16="http://schemas.microsoft.com/office/drawing/2014/main" id="{323D89B0-81B8-77A9-32B8-EE12637314B1}"/>
+                </a:ext>
+              </a:extLst>
+            </p:cNvPr>
+            <p:cNvSpPr txBox="1">
+              <a:spLocks noChangeArrowheads="1"/>
+            </p:cNvSpPr>
+            <p:nvPr/>
+          </p:nvSpPr>
+          <p:spPr bwMode="auto">
+            <a:xfrm>
+              <a:off x="3048364" y="2412177"/>
+              <a:ext cx="473243" cy="584775"/>
+            </a:xfrm>
+            <a:prstGeom prst="rect">
+              <a:avLst/>
+            </a:prstGeom>
+            <a:noFill/>
+            <a:ln w="9525">
+              <a:noFill/>
+              <a:miter lim="800000"/>
+              <a:headEnd/>
+              <a:tailEnd/>
+            </a:ln>
+            <a:effectLst/>
+          </p:spPr>
+          <p:txBody>
+            <a:bodyPr vert="horz" wrap="none" lIns="91440" tIns="45720" rIns="91440" bIns="45720" numCol="1" anchor="t" anchorCtr="0" compatLnSpc="1">
+              <a:prstTxWarp prst="textNoShape">
+                <a:avLst/>
+              </a:prstTxWarp>
+              <a:spAutoFit/>
+            </a:bodyPr>
+            <a:lstStyle/>
+            <a:p>
+              <a:pPr algn="ctr" fontAlgn="base">
+                <a:spcBef>
+                  <a:spcPct val="0"/>
+                </a:spcBef>
+                <a:spcAft>
+                  <a:spcPct val="0"/>
+                </a:spcAft>
+              </a:pPr>
+              <a:r>
+                <a:rPr kumimoji="1" lang="en-US" altLang="ko-KR" sz="3200" b="1" dirty="0">
+                  <a:solidFill>
+                    <a:srgbClr val="8B98D1"/>
+                  </a:solidFill>
+                  <a:latin typeface="+mj-lt"/>
+                  <a:ea typeface="맑은 고딕" pitchFamily="50" charset="-127"/>
+                  <a:cs typeface="굴림" pitchFamily="50" charset="-127"/>
+                </a:rPr>
+                <a:t>02</a:t>
+              </a:r>
+              <a:endParaRPr kumimoji="1" lang="ko-KR" altLang="ko-KR" sz="3200" b="1" dirty="0">
+                <a:solidFill>
+                  <a:srgbClr val="8B98D1"/>
+                </a:solidFill>
+                <a:latin typeface="+mj-lt"/>
+                <a:ea typeface="맑은 고딕" pitchFamily="50" charset="-127"/>
+                <a:cs typeface="굴림" pitchFamily="50" charset="-127"/>
+              </a:endParaRPr>
+            </a:p>
+          </p:txBody>
+        </p:sp>
+        <p:sp>
+          <p:nvSpPr>
+            <p:cNvPr id="8" name="직사각형 7">
+              <a:extLst>
+                <a:ext uri="{FF2B5EF4-FFF2-40B4-BE49-F238E27FC236}">
+                  <a16:creationId xmlns:a16="http://schemas.microsoft.com/office/drawing/2014/main" id="{505ED624-3B0A-6491-8EB2-99F15556E351}"/>
+                </a:ext>
+              </a:extLst>
+            </p:cNvPr>
+            <p:cNvSpPr/>
+            <p:nvPr/>
+          </p:nvSpPr>
+          <p:spPr>
+            <a:xfrm>
+              <a:off x="2971126" y="2996952"/>
+              <a:ext cx="627717" cy="45719"/>
+            </a:xfrm>
+            <a:prstGeom prst="rect">
+              <a:avLst/>
+            </a:prstGeom>
+            <a:solidFill>
+              <a:srgbClr val="8B98D1"/>
+            </a:solidFill>
+            <a:ln>
+              <a:noFill/>
+            </a:ln>
+          </p:spPr>
+          <p:style>
+            <a:lnRef idx="2">
+              <a:schemeClr val="accent1">
+                <a:shade val="50000"/>
+              </a:schemeClr>
+            </a:lnRef>
+            <a:fillRef idx="1">
+              <a:schemeClr val="accent1"/>
+            </a:fillRef>
+            <a:effectRef idx="0">
+              <a:schemeClr val="accent1"/>
+            </a:effectRef>
+            <a:fontRef idx="minor">
+              <a:schemeClr val="lt1"/>
+            </a:fontRef>
+          </p:style>
+          <p:txBody>
+            <a:bodyPr rtlCol="0" anchor="ctr"/>
+            <a:lstStyle/>
+            <a:p>
+              <a:pPr algn="ctr"/>
+              <a:endParaRPr lang="ko-KR" altLang="en-US">
+                <a:latin typeface="+mj-lt"/>
+                <a:ea typeface="맑은 고딕" pitchFamily="50" charset="-127"/>
+              </a:endParaRPr>
+            </a:p>
+          </p:txBody>
+        </p:sp>
+      </p:grpSp>
+      <p:pic>
+        <p:nvPicPr>
+          <p:cNvPr id="11" name="그림 10">
+            <a:extLst>
+              <a:ext uri="{FF2B5EF4-FFF2-40B4-BE49-F238E27FC236}">
+                <a16:creationId xmlns:a16="http://schemas.microsoft.com/office/drawing/2014/main" id="{3E29B7A3-EC46-E989-47A1-7F1A976E6C3B}"/>
+              </a:ext>
+            </a:extLst>
+          </p:cNvPr>
+          <p:cNvPicPr>
+            <a:picLocks noChangeAspect="1"/>
+          </p:cNvPicPr>
+          <p:nvPr/>
+        </p:nvPicPr>
+        <p:blipFill>
+          <a:blip r:embed="rId2">
+            <a:extLst>
+              <a:ext uri="{28A0092B-C50C-407E-A947-70E740481C1C}">
+                <a14:useLocalDpi xmlns:a14="http://schemas.microsoft.com/office/drawing/2010/main" val="0"/>
+              </a:ext>
+            </a:extLst>
+          </a:blip>
+          <a:stretch>
+            <a:fillRect/>
+          </a:stretch>
+        </p:blipFill>
+        <p:spPr>
+          <a:xfrm>
+            <a:off x="3643552" y="2310352"/>
+            <a:ext cx="1828548" cy="2102389"/>
+          </a:xfrm>
+          <a:prstGeom prst="rect">
+            <a:avLst/>
+          </a:prstGeom>
+        </p:spPr>
+      </p:pic>
+      <p:pic>
+        <p:nvPicPr>
+          <p:cNvPr id="13" name="그림 12">
+            <a:extLst>
+              <a:ext uri="{FF2B5EF4-FFF2-40B4-BE49-F238E27FC236}">
+                <a16:creationId xmlns:a16="http://schemas.microsoft.com/office/drawing/2014/main" id="{C7FECE2F-75ED-16EB-C6D4-1976131B08E8}"/>
+              </a:ext>
+            </a:extLst>
+          </p:cNvPr>
+          <p:cNvPicPr>
+            <a:picLocks noChangeAspect="1"/>
+          </p:cNvPicPr>
+          <p:nvPr/>
+        </p:nvPicPr>
+        <p:blipFill>
+          <a:blip r:embed="rId3">
+            <a:extLst>
+              <a:ext uri="{28A0092B-C50C-407E-A947-70E740481C1C}">
+                <a14:useLocalDpi xmlns:a14="http://schemas.microsoft.com/office/drawing/2010/main" val="0"/>
+              </a:ext>
+            </a:extLst>
+          </a:blip>
+          <a:stretch>
+            <a:fillRect/>
+          </a:stretch>
+        </p:blipFill>
+        <p:spPr>
+          <a:xfrm>
+            <a:off x="1815004" y="4654306"/>
+            <a:ext cx="1828548" cy="1913994"/>
+          </a:xfrm>
+          <a:prstGeom prst="rect">
+            <a:avLst/>
+          </a:prstGeom>
+        </p:spPr>
+      </p:pic>
+      <p:pic>
+        <p:nvPicPr>
+          <p:cNvPr id="17" name="그림 16">
+            <a:extLst>
+              <a:ext uri="{FF2B5EF4-FFF2-40B4-BE49-F238E27FC236}">
+                <a16:creationId xmlns:a16="http://schemas.microsoft.com/office/drawing/2014/main" id="{6B95948D-816F-E254-07C1-7B009BD62783}"/>
+              </a:ext>
+            </a:extLst>
+          </p:cNvPr>
+          <p:cNvPicPr>
+            <a:picLocks noChangeAspect="1"/>
+          </p:cNvPicPr>
+          <p:nvPr/>
+        </p:nvPicPr>
+        <p:blipFill>
+          <a:blip r:embed="rId4">
+            <a:extLst>
+              <a:ext uri="{28A0092B-C50C-407E-A947-70E740481C1C}">
+                <a14:useLocalDpi xmlns:a14="http://schemas.microsoft.com/office/drawing/2010/main" val="0"/>
+              </a:ext>
+            </a:extLst>
+          </a:blip>
+          <a:stretch>
+            <a:fillRect/>
+          </a:stretch>
+        </p:blipFill>
+        <p:spPr>
+          <a:xfrm>
+            <a:off x="5500448" y="4578989"/>
+            <a:ext cx="1828548" cy="2064628"/>
+          </a:xfrm>
+          <a:prstGeom prst="rect">
+            <a:avLst/>
+          </a:prstGeom>
+        </p:spPr>
+      </p:pic>
+      <p:sp>
+        <p:nvSpPr>
+          <p:cNvPr id="18" name="TextBox 17">
+            <a:extLst>
+              <a:ext uri="{FF2B5EF4-FFF2-40B4-BE49-F238E27FC236}">
+                <a16:creationId xmlns:a16="http://schemas.microsoft.com/office/drawing/2014/main" id="{8A4622C0-3F08-03DA-1F01-CEE6301EC02F}"/>
+              </a:ext>
+            </a:extLst>
+          </p:cNvPr>
+          <p:cNvSpPr txBox="1"/>
+          <p:nvPr/>
+        </p:nvSpPr>
+        <p:spPr>
+          <a:xfrm>
+            <a:off x="1907704" y="6165304"/>
+            <a:ext cx="916100" cy="276999"/>
+          </a:xfrm>
+          <a:prstGeom prst="rect">
+            <a:avLst/>
+          </a:prstGeom>
+          <a:noFill/>
+        </p:spPr>
+        <p:txBody>
+          <a:bodyPr wrap="square" rtlCol="0">
+            <a:spAutoFit/>
+          </a:bodyPr>
+          <a:lstStyle/>
+          <a:p>
+            <a:r>
+              <a:rPr lang="ko-KR" altLang="en-US" sz="1200" b="1" dirty="0">
+                <a:solidFill>
+                  <a:schemeClr val="bg1"/>
+                </a:solidFill>
+              </a:rPr>
+              <a:t>이승욱</a:t>
+            </a:r>
+          </a:p>
+        </p:txBody>
+      </p:sp>
+    </p:spTree>
+    <p:extLst>
+      <p:ext uri="{BB962C8B-B14F-4D97-AF65-F5344CB8AC3E}">
+        <p14:creationId xmlns:p14="http://schemas.microsoft.com/office/powerpoint/2010/main" val="1740945926"/>
+      </p:ext>
+    </p:extLst>
+  </p:cSld>
+  <p:clrMapOvr>
+    <a:masterClrMapping/>
+  </p:clrMapOvr>
+</p:sld>
+</file>
+
+<file path=ppt/slides/slide6.xml><?xml version="1.0" encoding="utf-8"?>
+<p:sld xmlns:a="http://schemas.openxmlformats.org/drawingml/2006/main" xmlns:r="http://schemas.openxmlformats.org/officeDocument/2006/relationships" xmlns:p="http://schemas.openxmlformats.org/presentationml/2006/main">
+  <p:cSld>
+    <p:spTree>
+      <p:nvGrpSpPr>
+        <p:cNvPr id="1" name=""/>
+        <p:cNvGrpSpPr/>
+        <p:nvPr/>
+      </p:nvGrpSpPr>
+      <p:grpSpPr>
+        <a:xfrm>
+          <a:off x="0" y="0"/>
+          <a:ext cx="0" cy="0"/>
+          <a:chOff x="0" y="0"/>
+          <a:chExt cx="0" cy="0"/>
+        </a:xfrm>
+      </p:grpSpPr>
+      <p:sp>
+        <p:nvSpPr>
+          <p:cNvPr id="2" name="제목 1"/>
+          <p:cNvSpPr>
+            <a:spLocks noGrp="1"/>
+          </p:cNvSpPr>
+          <p:nvPr>
+            <p:ph type="title"/>
+          </p:nvPr>
+        </p:nvSpPr>
+        <p:spPr/>
+        <p:txBody>
+          <a:bodyPr/>
+          <a:lstStyle/>
+          <a:p>
+            <a:r>
+              <a:rPr lang="en-US" altLang="ko-KR"/>
+              <a:t>Add some text to the title slide</a:t>
+            </a:r>
+            <a:endParaRPr lang="ko-KR" altLang="en-US" dirty="0"/>
+          </a:p>
+        </p:txBody>
+      </p:sp>
+      <p:sp>
+        <p:nvSpPr>
+          <p:cNvPr id="37" name="내용 개체 틀 36"/>
+          <p:cNvSpPr>
+            <a:spLocks noGrp="1"/>
+          </p:cNvSpPr>
+          <p:nvPr>
+            <p:ph idx="1"/>
+          </p:nvPr>
+        </p:nvSpPr>
+        <p:spPr/>
+        <p:txBody>
+          <a:bodyPr/>
+          <a:lstStyle/>
+          <a:p>
+            <a:r>
+              <a:rPr lang="en-US" altLang="ko-KR" dirty="0"/>
+              <a:t>Replace with your own text</a:t>
+            </a:r>
+            <a:endParaRPr lang="ko-KR" altLang="en-US" dirty="0"/>
+          </a:p>
+        </p:txBody>
+      </p:sp>
+      <p:grpSp>
+        <p:nvGrpSpPr>
+          <p:cNvPr id="4" name="그룹 3">
+            <a:extLst>
+              <a:ext uri="{FF2B5EF4-FFF2-40B4-BE49-F238E27FC236}">
+                <a16:creationId xmlns:a16="http://schemas.microsoft.com/office/drawing/2014/main" id="{898F0CF0-9E26-AEDD-15DC-7ACBAE36ABBD}"/>
+              </a:ext>
+            </a:extLst>
+          </p:cNvPr>
+          <p:cNvGrpSpPr/>
+          <p:nvPr/>
+        </p:nvGrpSpPr>
+        <p:grpSpPr>
+          <a:xfrm>
+            <a:off x="2555776" y="255939"/>
+            <a:ext cx="3816424" cy="1350924"/>
+            <a:chOff x="1880828" y="2412177"/>
+            <a:chExt cx="2808312" cy="1350924"/>
+          </a:xfrm>
+        </p:grpSpPr>
+        <p:sp>
+          <p:nvSpPr>
+            <p:cNvPr id="5" name="Text Box 5">
+              <a:extLst>
+                <a:ext uri="{FF2B5EF4-FFF2-40B4-BE49-F238E27FC236}">
+                  <a16:creationId xmlns:a16="http://schemas.microsoft.com/office/drawing/2014/main" id="{DD9A9685-8F85-F4BF-22EE-01A3ECF0C1B1}"/>
+                </a:ext>
+              </a:extLst>
+            </p:cNvPr>
+            <p:cNvSpPr txBox="1">
+              <a:spLocks noChangeArrowheads="1"/>
+            </p:cNvSpPr>
+            <p:nvPr/>
+          </p:nvSpPr>
+          <p:spPr bwMode="auto">
+            <a:xfrm>
+              <a:off x="1880828" y="3120338"/>
+              <a:ext cx="2808312" cy="400110"/>
+            </a:xfrm>
+            <a:prstGeom prst="rect">
+              <a:avLst/>
+            </a:prstGeom>
+            <a:noFill/>
+            <a:ln w="9525">
+              <a:noFill/>
+              <a:miter lim="800000"/>
+              <a:headEnd/>
+              <a:tailEnd/>
+            </a:ln>
+            <a:effectLst/>
+          </p:spPr>
+          <p:txBody>
+            <a:bodyPr vert="horz" wrap="square" lIns="91440" tIns="45720" rIns="91440" bIns="45720" numCol="1" anchor="t" anchorCtr="0" compatLnSpc="1">
+              <a:prstTxWarp prst="textNoShape">
+                <a:avLst/>
+              </a:prstTxWarp>
+              <a:spAutoFit/>
+            </a:bodyPr>
+            <a:lstStyle/>
+            <a:p>
+              <a:pPr algn="ctr">
+                <a:defRPr/>
+              </a:pPr>
+              <a:r>
+                <a:rPr lang="en-US" altLang="ko-KR" sz="2000" b="1" dirty="0">
+                  <a:solidFill>
+                    <a:srgbClr val="8B98D1"/>
+                  </a:solidFill>
+                  <a:latin typeface="+mj-lt"/>
+                  <a:ea typeface="맑은 고딕" pitchFamily="50" charset="-127"/>
+                </a:rPr>
+                <a:t>Git</a:t>
+              </a:r>
+              <a:r>
+                <a:rPr lang="ko-KR" altLang="en-US" sz="2000" b="1" dirty="0">
+                  <a:solidFill>
+                    <a:srgbClr val="8B98D1"/>
+                  </a:solidFill>
+                  <a:latin typeface="+mj-lt"/>
+                  <a:ea typeface="맑은 고딕" pitchFamily="50" charset="-127"/>
+                </a:rPr>
+                <a:t>활용 분업 파트</a:t>
+              </a:r>
+              <a:endParaRPr lang="en-US" altLang="ko-KR" sz="2000" b="1" dirty="0">
+                <a:solidFill>
+                  <a:srgbClr val="8B98D1"/>
+                </a:solidFill>
+                <a:latin typeface="+mj-lt"/>
+                <a:ea typeface="맑은 고딕" pitchFamily="50" charset="-127"/>
+              </a:endParaRPr>
+            </a:p>
+          </p:txBody>
+        </p:sp>
+        <p:sp>
+          <p:nvSpPr>
+            <p:cNvPr id="6" name="직사각형 5">
+              <a:extLst>
+                <a:ext uri="{FF2B5EF4-FFF2-40B4-BE49-F238E27FC236}">
+                  <a16:creationId xmlns:a16="http://schemas.microsoft.com/office/drawing/2014/main" id="{DAE36F53-FFCA-968B-465B-6133308DE501}"/>
+                </a:ext>
+              </a:extLst>
+            </p:cNvPr>
+            <p:cNvSpPr/>
+            <p:nvPr/>
+          </p:nvSpPr>
+          <p:spPr>
+            <a:xfrm>
+              <a:off x="2033972" y="3516880"/>
+              <a:ext cx="2502024" cy="246221"/>
+            </a:xfrm>
+            <a:prstGeom prst="rect">
+              <a:avLst/>
+            </a:prstGeom>
+          </p:spPr>
+          <p:txBody>
+            <a:bodyPr wrap="square">
+              <a:spAutoFit/>
+            </a:bodyPr>
+            <a:lstStyle/>
+            <a:p>
+              <a:pPr lvl="0" algn="ctr">
+                <a:lnSpc>
+                  <a:spcPts val="1200"/>
+                </a:lnSpc>
+                <a:defRPr/>
+              </a:pPr>
+              <a:endParaRPr lang="en-US" altLang="ko-KR" sz="1100" dirty="0">
+                <a:solidFill>
+                  <a:schemeClr val="bg1">
+                    <a:lumMod val="65000"/>
+                  </a:schemeClr>
+                </a:solidFill>
+                <a:latin typeface="+mj-lt"/>
+                <a:ea typeface="맑은 고딕" pitchFamily="50" charset="-127"/>
+                <a:cs typeface="굴림" pitchFamily="50" charset="-127"/>
+              </a:endParaRPr>
+            </a:p>
+          </p:txBody>
+        </p:sp>
+        <p:sp>
+          <p:nvSpPr>
+            <p:cNvPr id="7" name="Text Box 4">
+              <a:extLst>
+                <a:ext uri="{FF2B5EF4-FFF2-40B4-BE49-F238E27FC236}">
+                  <a16:creationId xmlns:a16="http://schemas.microsoft.com/office/drawing/2014/main" id="{323D89B0-81B8-77A9-32B8-EE12637314B1}"/>
+                </a:ext>
+              </a:extLst>
+            </p:cNvPr>
+            <p:cNvSpPr txBox="1">
+              <a:spLocks noChangeArrowheads="1"/>
+            </p:cNvSpPr>
+            <p:nvPr/>
+          </p:nvSpPr>
+          <p:spPr bwMode="auto">
+            <a:xfrm>
+              <a:off x="3048364" y="2412177"/>
+              <a:ext cx="473243" cy="584775"/>
+            </a:xfrm>
+            <a:prstGeom prst="rect">
+              <a:avLst/>
+            </a:prstGeom>
+            <a:noFill/>
+            <a:ln w="9525">
+              <a:noFill/>
+              <a:miter lim="800000"/>
+              <a:headEnd/>
+              <a:tailEnd/>
+            </a:ln>
+            <a:effectLst/>
+          </p:spPr>
+          <p:txBody>
+            <a:bodyPr vert="horz" wrap="none" lIns="91440" tIns="45720" rIns="91440" bIns="45720" numCol="1" anchor="t" anchorCtr="0" compatLnSpc="1">
+              <a:prstTxWarp prst="textNoShape">
+                <a:avLst/>
+              </a:prstTxWarp>
+              <a:spAutoFit/>
+            </a:bodyPr>
+            <a:lstStyle/>
+            <a:p>
+              <a:pPr algn="ctr" fontAlgn="base">
+                <a:spcBef>
+                  <a:spcPct val="0"/>
+                </a:spcBef>
+                <a:spcAft>
+                  <a:spcPct val="0"/>
+                </a:spcAft>
+              </a:pPr>
+              <a:r>
+                <a:rPr kumimoji="1" lang="en-US" altLang="ko-KR" sz="3200" b="1" dirty="0">
+                  <a:solidFill>
+                    <a:srgbClr val="8B98D1"/>
+                  </a:solidFill>
+                  <a:latin typeface="+mj-lt"/>
+                  <a:ea typeface="맑은 고딕" pitchFamily="50" charset="-127"/>
+                  <a:cs typeface="굴림" pitchFamily="50" charset="-127"/>
+                </a:rPr>
+                <a:t>02</a:t>
+              </a:r>
+              <a:endParaRPr kumimoji="1" lang="ko-KR" altLang="ko-KR" sz="3200" b="1" dirty="0">
+                <a:solidFill>
+                  <a:srgbClr val="8B98D1"/>
+                </a:solidFill>
+                <a:latin typeface="+mj-lt"/>
+                <a:ea typeface="맑은 고딕" pitchFamily="50" charset="-127"/>
+                <a:cs typeface="굴림" pitchFamily="50" charset="-127"/>
+              </a:endParaRPr>
+            </a:p>
+          </p:txBody>
+        </p:sp>
+        <p:sp>
+          <p:nvSpPr>
+            <p:cNvPr id="8" name="직사각형 7">
+              <a:extLst>
+                <a:ext uri="{FF2B5EF4-FFF2-40B4-BE49-F238E27FC236}">
+                  <a16:creationId xmlns:a16="http://schemas.microsoft.com/office/drawing/2014/main" id="{505ED624-3B0A-6491-8EB2-99F15556E351}"/>
+                </a:ext>
+              </a:extLst>
+            </p:cNvPr>
+            <p:cNvSpPr/>
+            <p:nvPr/>
+          </p:nvSpPr>
+          <p:spPr>
+            <a:xfrm>
+              <a:off x="2971126" y="2996952"/>
+              <a:ext cx="627717" cy="45719"/>
+            </a:xfrm>
+            <a:prstGeom prst="rect">
+              <a:avLst/>
+            </a:prstGeom>
+            <a:solidFill>
+              <a:srgbClr val="8B98D1"/>
+            </a:solidFill>
+            <a:ln>
+              <a:noFill/>
+            </a:ln>
+          </p:spPr>
+          <p:style>
+            <a:lnRef idx="2">
+              <a:schemeClr val="accent1">
+                <a:shade val="50000"/>
+              </a:schemeClr>
+            </a:lnRef>
+            <a:fillRef idx="1">
+              <a:schemeClr val="accent1"/>
+            </a:fillRef>
+            <a:effectRef idx="0">
+              <a:schemeClr val="accent1"/>
+            </a:effectRef>
+            <a:fontRef idx="minor">
+              <a:schemeClr val="lt1"/>
+            </a:fontRef>
+          </p:style>
+          <p:txBody>
+            <a:bodyPr rtlCol="0" anchor="ctr"/>
+            <a:lstStyle/>
+            <a:p>
+              <a:pPr algn="ctr"/>
+              <a:endParaRPr lang="ko-KR" altLang="en-US">
+                <a:latin typeface="+mj-lt"/>
+                <a:ea typeface="맑은 고딕" pitchFamily="50" charset="-127"/>
+              </a:endParaRPr>
+            </a:p>
+          </p:txBody>
+        </p:sp>
+      </p:grpSp>
+    </p:spTree>
+    <p:extLst>
+      <p:ext uri="{BB962C8B-B14F-4D97-AF65-F5344CB8AC3E}">
+        <p14:creationId xmlns:p14="http://schemas.microsoft.com/office/powerpoint/2010/main" val="2175084838"/>
+      </p:ext>
+    </p:extLst>
+  </p:cSld>
+  <p:clrMapOvr>
+    <a:masterClrMapping/>
+  </p:clrMapOvr>
+</p:sld>
+</file>
+
+<file path=ppt/slides/slide7.xml><?xml version="1.0" encoding="utf-8"?>
+<p:sld xmlns:a="http://schemas.openxmlformats.org/drawingml/2006/main" xmlns:r="http://schemas.openxmlformats.org/officeDocument/2006/relationships" xmlns:p="http://schemas.openxmlformats.org/presentationml/2006/main">
+  <p:cSld>
+    <p:spTree>
+      <p:nvGrpSpPr>
+        <p:cNvPr id="1" name=""/>
+        <p:cNvGrpSpPr/>
+        <p:nvPr/>
+      </p:nvGrpSpPr>
+      <p:grpSpPr>
+        <a:xfrm>
+          <a:off x="0" y="0"/>
+          <a:ext cx="0" cy="0"/>
+          <a:chOff x="0" y="0"/>
+          <a:chExt cx="0" cy="0"/>
+        </a:xfrm>
+      </p:grpSpPr>
+      <p:sp>
+        <p:nvSpPr>
+          <p:cNvPr id="2" name="제목 1"/>
+          <p:cNvSpPr>
+            <a:spLocks noGrp="1"/>
+          </p:cNvSpPr>
+          <p:nvPr>
+            <p:ph type="title"/>
+          </p:nvPr>
+        </p:nvSpPr>
+        <p:spPr/>
+        <p:txBody>
+          <a:bodyPr/>
+          <a:lstStyle/>
+          <a:p>
+            <a:r>
+              <a:rPr lang="en-US" altLang="ko-KR"/>
+              <a:t>Add some text to the title slide</a:t>
+            </a:r>
+            <a:endParaRPr lang="ko-KR" altLang="en-US" dirty="0"/>
+          </a:p>
+        </p:txBody>
+      </p:sp>
+      <p:sp>
+        <p:nvSpPr>
+          <p:cNvPr id="37" name="내용 개체 틀 36"/>
+          <p:cNvSpPr>
+            <a:spLocks noGrp="1"/>
+          </p:cNvSpPr>
+          <p:nvPr>
+            <p:ph idx="1"/>
+          </p:nvPr>
+        </p:nvSpPr>
+        <p:spPr/>
+        <p:txBody>
+          <a:bodyPr/>
+          <a:lstStyle/>
+          <a:p>
+            <a:r>
+              <a:rPr lang="en-US" altLang="ko-KR" dirty="0"/>
+              <a:t>Replace with your own text</a:t>
+            </a:r>
+            <a:endParaRPr lang="ko-KR" altLang="en-US" dirty="0"/>
+          </a:p>
+        </p:txBody>
+      </p:sp>
+      <p:grpSp>
+        <p:nvGrpSpPr>
+          <p:cNvPr id="4" name="그룹 3">
+            <a:extLst>
+              <a:ext uri="{FF2B5EF4-FFF2-40B4-BE49-F238E27FC236}">
+                <a16:creationId xmlns:a16="http://schemas.microsoft.com/office/drawing/2014/main" id="{898F0CF0-9E26-AEDD-15DC-7ACBAE36ABBD}"/>
+              </a:ext>
+            </a:extLst>
+          </p:cNvPr>
+          <p:cNvGrpSpPr/>
+          <p:nvPr/>
+        </p:nvGrpSpPr>
+        <p:grpSpPr>
+          <a:xfrm>
+            <a:off x="2555776" y="255939"/>
+            <a:ext cx="3816424" cy="1350924"/>
+            <a:chOff x="1880828" y="2412177"/>
+            <a:chExt cx="2808312" cy="1350924"/>
+          </a:xfrm>
+        </p:grpSpPr>
+        <p:sp>
+          <p:nvSpPr>
+            <p:cNvPr id="5" name="Text Box 5">
+              <a:extLst>
+                <a:ext uri="{FF2B5EF4-FFF2-40B4-BE49-F238E27FC236}">
+                  <a16:creationId xmlns:a16="http://schemas.microsoft.com/office/drawing/2014/main" id="{DD9A9685-8F85-F4BF-22EE-01A3ECF0C1B1}"/>
+                </a:ext>
+              </a:extLst>
+            </p:cNvPr>
+            <p:cNvSpPr txBox="1">
+              <a:spLocks noChangeArrowheads="1"/>
+            </p:cNvSpPr>
+            <p:nvPr/>
+          </p:nvSpPr>
+          <p:spPr bwMode="auto">
+            <a:xfrm>
+              <a:off x="1880828" y="3120338"/>
+              <a:ext cx="2808312" cy="400110"/>
+            </a:xfrm>
+            <a:prstGeom prst="rect">
+              <a:avLst/>
+            </a:prstGeom>
+            <a:noFill/>
+            <a:ln w="9525">
+              <a:noFill/>
+              <a:miter lim="800000"/>
+              <a:headEnd/>
+              <a:tailEnd/>
+            </a:ln>
+            <a:effectLst/>
+          </p:spPr>
+          <p:txBody>
+            <a:bodyPr vert="horz" wrap="square" lIns="91440" tIns="45720" rIns="91440" bIns="45720" numCol="1" anchor="t" anchorCtr="0" compatLnSpc="1">
+              <a:prstTxWarp prst="textNoShape">
+                <a:avLst/>
+              </a:prstTxWarp>
+              <a:spAutoFit/>
+            </a:bodyPr>
+            <a:lstStyle/>
+            <a:p>
+              <a:pPr algn="ctr">
+                <a:defRPr/>
+              </a:pPr>
+              <a:r>
+                <a:rPr lang="en-US" altLang="ko-KR" sz="2000" b="1" dirty="0">
+                  <a:solidFill>
+                    <a:srgbClr val="8B98D1"/>
+                  </a:solidFill>
+                  <a:latin typeface="+mj-lt"/>
+                  <a:ea typeface="맑은 고딕" pitchFamily="50" charset="-127"/>
+                </a:rPr>
+                <a:t>Git</a:t>
+              </a:r>
+              <a:r>
+                <a:rPr lang="ko-KR" altLang="en-US" sz="2000" b="1" dirty="0">
+                  <a:solidFill>
+                    <a:srgbClr val="8B98D1"/>
+                  </a:solidFill>
+                  <a:latin typeface="+mj-lt"/>
+                  <a:ea typeface="맑은 고딕" pitchFamily="50" charset="-127"/>
+                </a:rPr>
+                <a:t>활용 분업 파트</a:t>
+              </a:r>
+              <a:endParaRPr lang="en-US" altLang="ko-KR" sz="2000" b="1" dirty="0">
+                <a:solidFill>
+                  <a:srgbClr val="8B98D1"/>
+                </a:solidFill>
+                <a:latin typeface="+mj-lt"/>
+                <a:ea typeface="맑은 고딕" pitchFamily="50" charset="-127"/>
+              </a:endParaRPr>
+            </a:p>
+          </p:txBody>
+        </p:sp>
+        <p:sp>
+          <p:nvSpPr>
+            <p:cNvPr id="6" name="직사각형 5">
+              <a:extLst>
+                <a:ext uri="{FF2B5EF4-FFF2-40B4-BE49-F238E27FC236}">
+                  <a16:creationId xmlns:a16="http://schemas.microsoft.com/office/drawing/2014/main" id="{DAE36F53-FFCA-968B-465B-6133308DE501}"/>
+                </a:ext>
+              </a:extLst>
+            </p:cNvPr>
+            <p:cNvSpPr/>
+            <p:nvPr/>
+          </p:nvSpPr>
+          <p:spPr>
+            <a:xfrm>
+              <a:off x="2033972" y="3516880"/>
+              <a:ext cx="2502024" cy="246221"/>
+            </a:xfrm>
+            <a:prstGeom prst="rect">
+              <a:avLst/>
+            </a:prstGeom>
+          </p:spPr>
+          <p:txBody>
+            <a:bodyPr wrap="square">
+              <a:spAutoFit/>
+            </a:bodyPr>
+            <a:lstStyle/>
+            <a:p>
+              <a:pPr lvl="0" algn="ctr">
+                <a:lnSpc>
+                  <a:spcPts val="1200"/>
+                </a:lnSpc>
+                <a:defRPr/>
+              </a:pPr>
+              <a:endParaRPr lang="en-US" altLang="ko-KR" sz="1100" dirty="0">
+                <a:solidFill>
+                  <a:schemeClr val="bg1">
+                    <a:lumMod val="65000"/>
+                  </a:schemeClr>
+                </a:solidFill>
+                <a:latin typeface="+mj-lt"/>
+                <a:ea typeface="맑은 고딕" pitchFamily="50" charset="-127"/>
+                <a:cs typeface="굴림" pitchFamily="50" charset="-127"/>
+              </a:endParaRPr>
+            </a:p>
+          </p:txBody>
+        </p:sp>
+        <p:sp>
+          <p:nvSpPr>
+            <p:cNvPr id="7" name="Text Box 4">
+              <a:extLst>
+                <a:ext uri="{FF2B5EF4-FFF2-40B4-BE49-F238E27FC236}">
+                  <a16:creationId xmlns:a16="http://schemas.microsoft.com/office/drawing/2014/main" id="{323D89B0-81B8-77A9-32B8-EE12637314B1}"/>
+                </a:ext>
+              </a:extLst>
+            </p:cNvPr>
+            <p:cNvSpPr txBox="1">
+              <a:spLocks noChangeArrowheads="1"/>
+            </p:cNvSpPr>
+            <p:nvPr/>
+          </p:nvSpPr>
+          <p:spPr bwMode="auto">
+            <a:xfrm>
+              <a:off x="3048364" y="2412177"/>
+              <a:ext cx="473243" cy="584775"/>
+            </a:xfrm>
+            <a:prstGeom prst="rect">
+              <a:avLst/>
+            </a:prstGeom>
+            <a:noFill/>
+            <a:ln w="9525">
+              <a:noFill/>
+              <a:miter lim="800000"/>
+              <a:headEnd/>
+              <a:tailEnd/>
+            </a:ln>
+            <a:effectLst/>
+          </p:spPr>
+          <p:txBody>
+            <a:bodyPr vert="horz" wrap="none" lIns="91440" tIns="45720" rIns="91440" bIns="45720" numCol="1" anchor="t" anchorCtr="0" compatLnSpc="1">
+              <a:prstTxWarp prst="textNoShape">
+                <a:avLst/>
+              </a:prstTxWarp>
+              <a:spAutoFit/>
+            </a:bodyPr>
+            <a:lstStyle/>
+            <a:p>
+              <a:pPr algn="ctr" fontAlgn="base">
+                <a:spcBef>
+                  <a:spcPct val="0"/>
+                </a:spcBef>
+                <a:spcAft>
+                  <a:spcPct val="0"/>
+                </a:spcAft>
+              </a:pPr>
+              <a:r>
+                <a:rPr kumimoji="1" lang="en-US" altLang="ko-KR" sz="3200" b="1" dirty="0">
+                  <a:solidFill>
+                    <a:srgbClr val="8B98D1"/>
+                  </a:solidFill>
+                  <a:latin typeface="+mj-lt"/>
+                  <a:ea typeface="맑은 고딕" pitchFamily="50" charset="-127"/>
+                  <a:cs typeface="굴림" pitchFamily="50" charset="-127"/>
+                </a:rPr>
+                <a:t>02</a:t>
+              </a:r>
+              <a:endParaRPr kumimoji="1" lang="ko-KR" altLang="ko-KR" sz="3200" b="1" dirty="0">
+                <a:solidFill>
+                  <a:srgbClr val="8B98D1"/>
+                </a:solidFill>
+                <a:latin typeface="+mj-lt"/>
+                <a:ea typeface="맑은 고딕" pitchFamily="50" charset="-127"/>
+                <a:cs typeface="굴림" pitchFamily="50" charset="-127"/>
+              </a:endParaRPr>
+            </a:p>
+          </p:txBody>
+        </p:sp>
+        <p:sp>
+          <p:nvSpPr>
+            <p:cNvPr id="8" name="직사각형 7">
+              <a:extLst>
+                <a:ext uri="{FF2B5EF4-FFF2-40B4-BE49-F238E27FC236}">
+                  <a16:creationId xmlns:a16="http://schemas.microsoft.com/office/drawing/2014/main" id="{505ED624-3B0A-6491-8EB2-99F15556E351}"/>
+                </a:ext>
+              </a:extLst>
+            </p:cNvPr>
+            <p:cNvSpPr/>
+            <p:nvPr/>
+          </p:nvSpPr>
+          <p:spPr>
+            <a:xfrm>
+              <a:off x="2971126" y="2996952"/>
+              <a:ext cx="627717" cy="45719"/>
+            </a:xfrm>
+            <a:prstGeom prst="rect">
+              <a:avLst/>
+            </a:prstGeom>
+            <a:solidFill>
+              <a:srgbClr val="8B98D1"/>
+            </a:solidFill>
+            <a:ln>
+              <a:noFill/>
+            </a:ln>
+          </p:spPr>
+          <p:style>
+            <a:lnRef idx="2">
+              <a:schemeClr val="accent1">
+                <a:shade val="50000"/>
+              </a:schemeClr>
+            </a:lnRef>
+            <a:fillRef idx="1">
+              <a:schemeClr val="accent1"/>
+            </a:fillRef>
+            <a:effectRef idx="0">
+              <a:schemeClr val="accent1"/>
+            </a:effectRef>
+            <a:fontRef idx="minor">
+              <a:schemeClr val="lt1"/>
+            </a:fontRef>
+          </p:style>
+          <p:txBody>
+            <a:bodyPr rtlCol="0" anchor="ctr"/>
+            <a:lstStyle/>
+            <a:p>
+              <a:pPr algn="ctr"/>
+              <a:endParaRPr lang="ko-KR" altLang="en-US">
+                <a:latin typeface="+mj-lt"/>
+                <a:ea typeface="맑은 고딕" pitchFamily="50" charset="-127"/>
+              </a:endParaRPr>
+            </a:p>
+          </p:txBody>
+        </p:sp>
+      </p:grpSp>
+    </p:spTree>
+    <p:extLst>
+      <p:ext uri="{BB962C8B-B14F-4D97-AF65-F5344CB8AC3E}">
+        <p14:creationId xmlns:p14="http://schemas.microsoft.com/office/powerpoint/2010/main" val="4174672538"/>
       </p:ext>
     </p:extLst>
   </p:cSld>
@@ -10791,7 +12360,7 @@
         </p:nvSpPr>
         <p:spPr bwMode="auto">
           <a:xfrm>
-            <a:off x="4454860" y="1700808"/>
+            <a:off x="4586567" y="1915005"/>
             <a:ext cx="2995450" cy="2092881"/>
           </a:xfrm>
           <a:prstGeom prst="rect">
@@ -11014,7 +12583,7 @@
         </p:nvGrpSpPr>
         <p:grpSpPr>
           <a:xfrm>
-            <a:off x="1763688" y="1856743"/>
+            <a:off x="2663788" y="2656962"/>
             <a:ext cx="3816424" cy="1350924"/>
             <a:chOff x="1880828" y="2412177"/>
             <a:chExt cx="2808312" cy="1350924"/>
@@ -11065,7 +12634,7 @@
                   <a:latin typeface="+mj-lt"/>
                   <a:ea typeface="맑은 고딕" pitchFamily="50" charset="-127"/>
                 </a:rPr>
-                <a:t>프로그램 동작방식 설명</a:t>
+                <a:t>프로그램 기능 설명</a:t>
               </a:r>
               <a:endParaRPr lang="en-US" altLang="ko-KR" sz="2000" b="1" dirty="0">
                 <a:solidFill>
@@ -11234,7 +12803,7 @@
     </p:spTree>
     <p:extLst>
       <p:ext uri="{BB962C8B-B14F-4D97-AF65-F5344CB8AC3E}">
-        <p14:creationId xmlns:p14="http://schemas.microsoft.com/office/powerpoint/2010/main" val="138098103"/>
+        <p14:creationId xmlns:p14="http://schemas.microsoft.com/office/powerpoint/2010/main" val="3149481233"/>
       </p:ext>
     </p:extLst>
   </p:cSld>
@@ -11263,238 +12832,65 @@
       </p:grpSpPr>
       <p:sp>
         <p:nvSpPr>
-          <p:cNvPr id="7" name="Text Box 9"/>
-          <p:cNvSpPr txBox="1">
-            <a:spLocks noChangeArrowheads="1"/>
-          </p:cNvSpPr>
-          <p:nvPr/>
-        </p:nvSpPr>
-        <p:spPr bwMode="auto">
-          <a:xfrm>
-            <a:off x="4454860" y="1700808"/>
-            <a:ext cx="2995450" cy="2092881"/>
-          </a:xfrm>
-          <a:prstGeom prst="rect">
-            <a:avLst/>
-          </a:prstGeom>
-          <a:noFill/>
-          <a:ln w="9525">
-            <a:noFill/>
-            <a:miter lim="800000"/>
-            <a:headEnd/>
-            <a:tailEnd/>
-          </a:ln>
-          <a:effectLst/>
-        </p:spPr>
-        <p:txBody>
-          <a:bodyPr vert="horz" wrap="square" lIns="91440" tIns="45720" rIns="91440" bIns="45720" numCol="1" anchor="t" anchorCtr="0" compatLnSpc="1">
-            <a:prstTxWarp prst="textNoShape">
-              <a:avLst/>
-            </a:prstTxWarp>
-            <a:spAutoFit/>
-          </a:bodyPr>
+          <p:cNvPr id="2" name="제목 1"/>
+          <p:cNvSpPr>
+            <a:spLocks noGrp="1"/>
+          </p:cNvSpPr>
+          <p:nvPr>
+            <p:ph type="title"/>
+          </p:nvPr>
+        </p:nvSpPr>
+        <p:spPr/>
+        <p:txBody>
+          <a:bodyPr/>
           <a:lstStyle/>
           <a:p>
-            <a:pPr marR="0" indent="-228600" algn="ctr" fontAlgn="base">
-              <a:lnSpc>
-                <a:spcPct val="200000"/>
-              </a:lnSpc>
-              <a:spcBef>
-                <a:spcPct val="0"/>
-              </a:spcBef>
-              <a:spcAft>
-                <a:spcPct val="0"/>
-              </a:spcAft>
-              <a:buClrTx/>
-              <a:buSzTx/>
-              <a:buFont typeface="+mj-lt"/>
-              <a:buAutoNum type="arabicPeriod"/>
-              <a:tabLst/>
-            </a:pPr>
-            <a:r>
-              <a:rPr kumimoji="1" lang="ko-KR" altLang="ko-KR" sz="1300" dirty="0">
-                <a:solidFill>
-                  <a:schemeClr val="tx1">
-                    <a:lumMod val="50000"/>
-                    <a:lumOff val="50000"/>
-                  </a:schemeClr>
-                </a:solidFill>
-                <a:latin typeface="+mj-lt"/>
-                <a:ea typeface="맑은 고딕" pitchFamily="50" charset="-127"/>
-                <a:cs typeface="굴림" pitchFamily="50" charset="-127"/>
-              </a:rPr>
-              <a:t> </a:t>
-            </a:r>
-            <a:r>
-              <a:rPr kumimoji="1" lang="en-US" altLang="ko-KR" sz="1300" dirty="0">
-                <a:solidFill>
-                  <a:schemeClr val="tx1">
-                    <a:lumMod val="50000"/>
-                    <a:lumOff val="50000"/>
-                  </a:schemeClr>
-                </a:solidFill>
-                <a:latin typeface="+mj-lt"/>
-                <a:ea typeface="맑은 고딕" pitchFamily="50" charset="-127"/>
-                <a:cs typeface="굴림" pitchFamily="50" charset="-127"/>
-              </a:rPr>
-              <a:t>Insert text here</a:t>
-            </a:r>
-          </a:p>
-          <a:p>
-            <a:pPr marR="0" indent="-228600" algn="ctr" fontAlgn="base">
-              <a:lnSpc>
-                <a:spcPct val="200000"/>
-              </a:lnSpc>
-              <a:spcBef>
-                <a:spcPct val="0"/>
-              </a:spcBef>
-              <a:spcAft>
-                <a:spcPct val="0"/>
-              </a:spcAft>
-              <a:buClrTx/>
-              <a:buSzTx/>
-              <a:buFont typeface="+mj-lt"/>
-              <a:buAutoNum type="arabicPeriod"/>
-              <a:tabLst/>
-            </a:pPr>
-            <a:r>
-              <a:rPr kumimoji="1" lang="en-US" altLang="ko-KR" sz="1300" dirty="0">
-                <a:solidFill>
-                  <a:schemeClr val="tx1">
-                    <a:lumMod val="50000"/>
-                    <a:lumOff val="50000"/>
-                  </a:schemeClr>
-                </a:solidFill>
-                <a:latin typeface="+mj-lt"/>
-                <a:ea typeface="맑은 고딕" pitchFamily="50" charset="-127"/>
-                <a:cs typeface="굴림" pitchFamily="50" charset="-127"/>
-              </a:rPr>
-              <a:t> Insert text here</a:t>
-            </a:r>
-          </a:p>
-          <a:p>
-            <a:pPr marR="0" indent="-228600" algn="ctr" fontAlgn="base">
-              <a:lnSpc>
-                <a:spcPct val="200000"/>
-              </a:lnSpc>
-              <a:spcBef>
-                <a:spcPct val="0"/>
-              </a:spcBef>
-              <a:spcAft>
-                <a:spcPct val="0"/>
-              </a:spcAft>
-              <a:buClrTx/>
-              <a:buSzTx/>
-              <a:buFont typeface="+mj-lt"/>
-              <a:buAutoNum type="arabicPeriod"/>
-              <a:tabLst/>
-            </a:pPr>
-            <a:r>
-              <a:rPr kumimoji="1" lang="en-US" altLang="ko-KR" sz="1300" dirty="0">
-                <a:solidFill>
-                  <a:schemeClr val="tx1">
-                    <a:lumMod val="50000"/>
-                    <a:lumOff val="50000"/>
-                  </a:schemeClr>
-                </a:solidFill>
-                <a:latin typeface="+mj-lt"/>
-                <a:ea typeface="맑은 고딕" pitchFamily="50" charset="-127"/>
-                <a:cs typeface="굴림" pitchFamily="50" charset="-127"/>
-              </a:rPr>
-              <a:t> Insert text here</a:t>
-            </a:r>
-          </a:p>
-          <a:p>
-            <a:pPr indent="-228600" algn="ctr" fontAlgn="base">
-              <a:lnSpc>
-                <a:spcPct val="200000"/>
-              </a:lnSpc>
-              <a:spcBef>
-                <a:spcPct val="0"/>
-              </a:spcBef>
-              <a:spcAft>
-                <a:spcPct val="0"/>
-              </a:spcAft>
-              <a:buFont typeface="+mj-lt"/>
-              <a:buAutoNum type="arabicPeriod"/>
-            </a:pPr>
-            <a:r>
-              <a:rPr kumimoji="1" lang="en-US" altLang="ko-KR" sz="1300" dirty="0">
-                <a:solidFill>
-                  <a:schemeClr val="tx1">
-                    <a:lumMod val="50000"/>
-                    <a:lumOff val="50000"/>
-                  </a:schemeClr>
-                </a:solidFill>
-                <a:latin typeface="+mj-lt"/>
-                <a:ea typeface="맑은 고딕" pitchFamily="50" charset="-127"/>
-                <a:cs typeface="굴림" pitchFamily="50" charset="-127"/>
-              </a:rPr>
-              <a:t> Insert text here</a:t>
-            </a:r>
-            <a:endParaRPr kumimoji="1" lang="ko-KR" altLang="ko-KR" sz="1300" dirty="0">
-              <a:solidFill>
-                <a:schemeClr val="tx1">
-                  <a:lumMod val="50000"/>
-                  <a:lumOff val="50000"/>
-                </a:schemeClr>
-              </a:solidFill>
-              <a:latin typeface="+mj-lt"/>
-              <a:ea typeface="맑은 고딕" pitchFamily="50" charset="-127"/>
-              <a:cs typeface="굴림" pitchFamily="50" charset="-127"/>
-            </a:endParaRPr>
-          </a:p>
-          <a:p>
-            <a:pPr indent="-228600" algn="ctr" fontAlgn="base">
-              <a:lnSpc>
-                <a:spcPct val="200000"/>
-              </a:lnSpc>
-              <a:spcBef>
-                <a:spcPct val="0"/>
-              </a:spcBef>
-              <a:spcAft>
-                <a:spcPct val="0"/>
-              </a:spcAft>
-              <a:buFont typeface="+mj-lt"/>
-              <a:buAutoNum type="arabicPeriod"/>
-            </a:pPr>
-            <a:r>
-              <a:rPr kumimoji="1" lang="en-US" altLang="ko-KR" sz="1300" dirty="0">
-                <a:solidFill>
-                  <a:schemeClr val="tx1">
-                    <a:lumMod val="50000"/>
-                    <a:lumOff val="50000"/>
-                  </a:schemeClr>
-                </a:solidFill>
-                <a:latin typeface="+mj-lt"/>
-                <a:ea typeface="맑은 고딕" pitchFamily="50" charset="-127"/>
-                <a:cs typeface="굴림" pitchFamily="50" charset="-127"/>
-              </a:rPr>
-              <a:t> Insert text here</a:t>
-            </a:r>
-            <a:endParaRPr kumimoji="1" lang="ko-KR" altLang="ko-KR" sz="1300" dirty="0">
-              <a:solidFill>
-                <a:schemeClr val="tx1">
-                  <a:lumMod val="50000"/>
-                  <a:lumOff val="50000"/>
-                </a:schemeClr>
-              </a:solidFill>
-              <a:latin typeface="+mj-lt"/>
-              <a:ea typeface="맑은 고딕" pitchFamily="50" charset="-127"/>
-              <a:cs typeface="굴림" pitchFamily="50" charset="-127"/>
-            </a:endParaRPr>
+            <a:r>
+              <a:rPr lang="en-US" altLang="ko-KR"/>
+              <a:t>Add some text to the title slide</a:t>
+            </a:r>
+            <a:endParaRPr lang="ko-KR" altLang="en-US" dirty="0"/>
+          </a:p>
+        </p:txBody>
+      </p:sp>
+      <p:sp>
+        <p:nvSpPr>
+          <p:cNvPr id="37" name="내용 개체 틀 36"/>
+          <p:cNvSpPr>
+            <a:spLocks noGrp="1"/>
+          </p:cNvSpPr>
+          <p:nvPr>
+            <p:ph idx="1"/>
+          </p:nvPr>
+        </p:nvSpPr>
+        <p:spPr/>
+        <p:txBody>
+          <a:bodyPr/>
+          <a:lstStyle/>
+          <a:p>
+            <a:r>
+              <a:rPr lang="en-US" altLang="ko-KR" dirty="0"/>
+              <a:t>Replace with your own text</a:t>
+            </a:r>
+            <a:endParaRPr lang="ko-KR" altLang="en-US" dirty="0"/>
           </a:p>
         </p:txBody>
       </p:sp>
       <p:grpSp>
         <p:nvGrpSpPr>
-          <p:cNvPr id="8" name="그룹 7"/>
+          <p:cNvPr id="4" name="그룹 3">
+            <a:extLst>
+              <a:ext uri="{FF2B5EF4-FFF2-40B4-BE49-F238E27FC236}">
+                <a16:creationId xmlns:a16="http://schemas.microsoft.com/office/drawing/2014/main" id="{7C8D3A8E-3202-E0F3-881D-D2D1F82ABFC8}"/>
+              </a:ext>
+            </a:extLst>
+          </p:cNvPr>
           <p:cNvGrpSpPr/>
           <p:nvPr/>
         </p:nvGrpSpPr>
         <p:grpSpPr>
           <a:xfrm>
-            <a:off x="1763688" y="1856743"/>
+            <a:off x="2663788" y="260648"/>
             <a:ext cx="3816424" cy="1350924"/>
             <a:chOff x="1880828" y="2412177"/>
             <a:chExt cx="2808312" cy="1350924"/>
@@ -11502,7 +12898,13 @@
         </p:grpSpPr>
         <p:sp>
           <p:nvSpPr>
-            <p:cNvPr id="10" name="Text Box 5"/>
+            <p:cNvPr id="5" name="Text Box 5">
+              <a:extLst>
+                <a:ext uri="{FF2B5EF4-FFF2-40B4-BE49-F238E27FC236}">
+                  <a16:creationId xmlns:a16="http://schemas.microsoft.com/office/drawing/2014/main" id="{8D0435ED-02E7-46AF-0C84-601EB01D4499}"/>
+                </a:ext>
+              </a:extLst>
+            </p:cNvPr>
             <p:cNvSpPr txBox="1">
               <a:spLocks noChangeArrowheads="1"/>
             </p:cNvSpPr>
@@ -11545,7 +12947,7 @@
                   <a:latin typeface="+mj-lt"/>
                   <a:ea typeface="맑은 고딕" pitchFamily="50" charset="-127"/>
                 </a:rPr>
-                <a:t>프로그램 시현</a:t>
+                <a:t>프로그램 기능 설명</a:t>
               </a:r>
               <a:endParaRPr lang="en-US" altLang="ko-KR" sz="2000" b="1" dirty="0">
                 <a:solidFill>
@@ -11559,7 +12961,13 @@
         </p:sp>
         <p:sp>
           <p:nvSpPr>
-            <p:cNvPr id="12" name="직사각형 11"/>
+            <p:cNvPr id="6" name="직사각형 5">
+              <a:extLst>
+                <a:ext uri="{FF2B5EF4-FFF2-40B4-BE49-F238E27FC236}">
+                  <a16:creationId xmlns:a16="http://schemas.microsoft.com/office/drawing/2014/main" id="{F6455D7C-A043-9240-86A6-F688698A4267}"/>
+                </a:ext>
+              </a:extLst>
+            </p:cNvPr>
             <p:cNvSpPr/>
             <p:nvPr/>
           </p:nvSpPr>
@@ -11599,7 +13007,13 @@
         </p:sp>
         <p:sp>
           <p:nvSpPr>
-            <p:cNvPr id="11" name="Text Box 4"/>
+            <p:cNvPr id="7" name="Text Box 4">
+              <a:extLst>
+                <a:ext uri="{FF2B5EF4-FFF2-40B4-BE49-F238E27FC236}">
+                  <a16:creationId xmlns:a16="http://schemas.microsoft.com/office/drawing/2014/main" id="{431F2103-A9ED-4F94-6032-07BC3CAC10FF}"/>
+                </a:ext>
+              </a:extLst>
+            </p:cNvPr>
             <p:cNvSpPr txBox="1">
               <a:spLocks noChangeArrowheads="1"/>
             </p:cNvSpPr>
@@ -11648,7 +13062,7 @@
                   <a:ea typeface="맑은 고딕" pitchFamily="50" charset="-127"/>
                   <a:cs typeface="굴림" pitchFamily="50" charset="-127"/>
                 </a:rPr>
-                <a:t>04</a:t>
+                <a:t>03</a:t>
               </a:r>
               <a:endParaRPr kumimoji="1" lang="ko-KR" altLang="ko-KR" sz="3200" b="1" dirty="0">
                 <a:solidFill>
@@ -11663,7 +13077,13 @@
         </p:sp>
         <p:sp>
           <p:nvSpPr>
-            <p:cNvPr id="2" name="직사각형 1"/>
+            <p:cNvPr id="8" name="직사각형 7">
+              <a:extLst>
+                <a:ext uri="{FF2B5EF4-FFF2-40B4-BE49-F238E27FC236}">
+                  <a16:creationId xmlns:a16="http://schemas.microsoft.com/office/drawing/2014/main" id="{D152546D-D363-C179-63FB-85984E3C2B4C}"/>
+                </a:ext>
+              </a:extLst>
+            </p:cNvPr>
             <p:cNvSpPr/>
             <p:nvPr/>
           </p:nvSpPr>
@@ -11714,7 +13134,7 @@
     </p:spTree>
     <p:extLst>
       <p:ext uri="{BB962C8B-B14F-4D97-AF65-F5344CB8AC3E}">
-        <p14:creationId xmlns:p14="http://schemas.microsoft.com/office/powerpoint/2010/main" val="1731052153"/>
+        <p14:creationId xmlns:p14="http://schemas.microsoft.com/office/powerpoint/2010/main" val="2424953037"/>
       </p:ext>
     </p:extLst>
   </p:cSld>
